--- a/practical class/class_ppt/程一實習0303.pptx
+++ b/practical class/class_ppt/程一實習0303.pptx
@@ -5,7 +5,7 @@
     <p:sldMasterId id="2147483648" r:id="rId1"/>
   </p:sldMasterIdLst>
   <p:notesMasterIdLst>
-    <p:notesMasterId r:id="rId20"/>
+    <p:notesMasterId r:id="rId24"/>
   </p:notesMasterIdLst>
   <p:sldIdLst>
     <p:sldId id="256" r:id="rId2"/>
@@ -15,17 +15,21 @@
     <p:sldId id="265" r:id="rId6"/>
     <p:sldId id="268" r:id="rId7"/>
     <p:sldId id="267" r:id="rId8"/>
-    <p:sldId id="257" r:id="rId9"/>
-    <p:sldId id="276" r:id="rId10"/>
-    <p:sldId id="258" r:id="rId11"/>
-    <p:sldId id="259" r:id="rId12"/>
-    <p:sldId id="261" r:id="rId13"/>
-    <p:sldId id="260" r:id="rId14"/>
-    <p:sldId id="271" r:id="rId15"/>
-    <p:sldId id="274" r:id="rId16"/>
-    <p:sldId id="275" r:id="rId17"/>
-    <p:sldId id="262" r:id="rId18"/>
-    <p:sldId id="264" r:id="rId19"/>
+    <p:sldId id="277" r:id="rId9"/>
+    <p:sldId id="278" r:id="rId10"/>
+    <p:sldId id="257" r:id="rId11"/>
+    <p:sldId id="276" r:id="rId12"/>
+    <p:sldId id="258" r:id="rId13"/>
+    <p:sldId id="259" r:id="rId14"/>
+    <p:sldId id="261" r:id="rId15"/>
+    <p:sldId id="260" r:id="rId16"/>
+    <p:sldId id="271" r:id="rId17"/>
+    <p:sldId id="279" r:id="rId18"/>
+    <p:sldId id="281" r:id="rId19"/>
+    <p:sldId id="282" r:id="rId20"/>
+    <p:sldId id="280" r:id="rId21"/>
+    <p:sldId id="262" r:id="rId22"/>
+    <p:sldId id="264" r:id="rId23"/>
   </p:sldIdLst>
   <p:sldSz cx="12192000" cy="6858000"/>
   <p:notesSz cx="6858000" cy="9144000"/>
@@ -664,7 +668,7 @@
           <a:p>
             <a:fld id="{92CD3976-0A53-43C7-A43E-A2410759C6DA}" type="slidenum">
               <a:rPr lang="zh-TW" altLang="en-US" smtClean="0"/>
-              <a:t>14</a:t>
+              <a:t>16</a:t>
             </a:fld>
             <a:endParaRPr lang="zh-TW" altLang="en-US"/>
           </a:p>
@@ -727,6 +731,10 @@
           <a:bodyPr/>
           <a:lstStyle/>
           <a:p>
+            <a:r>
+              <a:rPr lang="en-US" altLang="zh-TW" dirty="0"/>
+              <a:t>5 min</a:t>
+            </a:r>
             <a:endParaRPr lang="zh-TW" altLang="en-US" dirty="0"/>
           </a:p>
         </p:txBody>
@@ -748,7 +756,91 @@
           <a:p>
             <a:fld id="{92CD3976-0A53-43C7-A43E-A2410759C6DA}" type="slidenum">
               <a:rPr lang="zh-TW" altLang="en-US" smtClean="0"/>
-              <a:t>17</a:t>
+              <a:t>18</a:t>
+            </a:fld>
+            <a:endParaRPr lang="zh-TW" altLang="en-US"/>
+          </a:p>
+        </p:txBody>
+      </p:sp>
+    </p:spTree>
+    <p:extLst>
+      <p:ext uri="{BB962C8B-B14F-4D97-AF65-F5344CB8AC3E}">
+        <p14:creationId xmlns:p14="http://schemas.microsoft.com/office/powerpoint/2010/main" val="4237475173"/>
+      </p:ext>
+    </p:extLst>
+  </p:cSld>
+  <p:clrMapOvr>
+    <a:masterClrMapping/>
+  </p:clrMapOvr>
+</p:notes>
+</file>
+
+<file path=ppt/notesSlides/notesSlide12.xml><?xml version="1.0" encoding="utf-8"?>
+<p:notes xmlns:a="http://schemas.openxmlformats.org/drawingml/2006/main" xmlns:r="http://schemas.openxmlformats.org/officeDocument/2006/relationships" xmlns:p="http://schemas.openxmlformats.org/presentationml/2006/main">
+  <p:cSld>
+    <p:spTree>
+      <p:nvGrpSpPr>
+        <p:cNvPr id="1" name=""/>
+        <p:cNvGrpSpPr/>
+        <p:nvPr/>
+      </p:nvGrpSpPr>
+      <p:grpSpPr>
+        <a:xfrm>
+          <a:off x="0" y="0"/>
+          <a:ext cx="0" cy="0"/>
+          <a:chOff x="0" y="0"/>
+          <a:chExt cx="0" cy="0"/>
+        </a:xfrm>
+      </p:grpSpPr>
+      <p:sp>
+        <p:nvSpPr>
+          <p:cNvPr id="2" name="投影片影像版面配置區 1"/>
+          <p:cNvSpPr>
+            <a:spLocks noGrp="1" noRot="1" noChangeAspect="1"/>
+          </p:cNvSpPr>
+          <p:nvPr>
+            <p:ph type="sldImg"/>
+          </p:nvPr>
+        </p:nvSpPr>
+        <p:spPr/>
+      </p:sp>
+      <p:sp>
+        <p:nvSpPr>
+          <p:cNvPr id="3" name="備忘稿版面配置區 2"/>
+          <p:cNvSpPr>
+            <a:spLocks noGrp="1"/>
+          </p:cNvSpPr>
+          <p:nvPr>
+            <p:ph type="body" idx="1"/>
+          </p:nvPr>
+        </p:nvSpPr>
+        <p:spPr/>
+        <p:txBody>
+          <a:bodyPr/>
+          <a:lstStyle/>
+          <a:p>
+            <a:endParaRPr lang="zh-TW" altLang="en-US" dirty="0"/>
+          </a:p>
+        </p:txBody>
+      </p:sp>
+      <p:sp>
+        <p:nvSpPr>
+          <p:cNvPr id="4" name="投影片編號版面配置區 3"/>
+          <p:cNvSpPr>
+            <a:spLocks noGrp="1"/>
+          </p:cNvSpPr>
+          <p:nvPr>
+            <p:ph type="sldNum" sz="quarter" idx="5"/>
+          </p:nvPr>
+        </p:nvSpPr>
+        <p:spPr/>
+        <p:txBody>
+          <a:bodyPr/>
+          <a:lstStyle/>
+          <a:p>
+            <a:fld id="{92CD3976-0A53-43C7-A43E-A2410759C6DA}" type="slidenum">
+              <a:rPr lang="zh-TW" altLang="en-US" smtClean="0"/>
+              <a:t>21</a:t>
             </a:fld>
             <a:endParaRPr lang="zh-TW" altLang="en-US"/>
           </a:p>
@@ -1276,7 +1368,7 @@
           <a:p>
             <a:fld id="{92CD3976-0A53-43C7-A43E-A2410759C6DA}" type="slidenum">
               <a:rPr lang="zh-TW" altLang="en-US" smtClean="0"/>
-              <a:t>8</a:t>
+              <a:t>10</a:t>
             </a:fld>
             <a:endParaRPr lang="zh-TW" altLang="en-US"/>
           </a:p>
@@ -1372,7 +1464,7 @@
           <a:p>
             <a:fld id="{92CD3976-0A53-43C7-A43E-A2410759C6DA}" type="slidenum">
               <a:rPr lang="zh-TW" altLang="en-US" smtClean="0"/>
-              <a:t>10</a:t>
+              <a:t>12</a:t>
             </a:fld>
             <a:endParaRPr lang="zh-TW" altLang="en-US"/>
           </a:p>
@@ -1460,7 +1552,7 @@
           <a:p>
             <a:fld id="{92CD3976-0A53-43C7-A43E-A2410759C6DA}" type="slidenum">
               <a:rPr lang="zh-TW" altLang="en-US" smtClean="0"/>
-              <a:t>12</a:t>
+              <a:t>14</a:t>
             </a:fld>
             <a:endParaRPr lang="zh-TW" altLang="en-US"/>
           </a:p>
@@ -4819,7 +4911,7 @@
           <p:cNvPr id="2" name="標題 1">
             <a:extLst>
               <a:ext uri="{FF2B5EF4-FFF2-40B4-BE49-F238E27FC236}">
-                <a16:creationId xmlns:a16="http://schemas.microsoft.com/office/drawing/2014/main" id="{BBDC850C-14B7-485D-9388-4FF40363D8F5}"/>
+                <a16:creationId xmlns:a16="http://schemas.microsoft.com/office/drawing/2014/main" id="{F9C898E0-B176-4A43-BEF2-AA2E181BCA6D}"/>
               </a:ext>
             </a:extLst>
           </p:cNvPr>
@@ -4838,11 +4930,19 @@
             <a:pPr algn="ctr"/>
             <a:r>
               <a:rPr lang="zh-TW" altLang="en-US" dirty="0"/>
-              <a:t>練習</a:t>
+              <a:t>跳脫字元 </a:t>
             </a:r>
             <a:r>
               <a:rPr lang="en-US" altLang="zh-TW" dirty="0"/>
-              <a:t>1 </a:t>
+              <a:t>(</a:t>
+            </a:r>
+            <a:r>
+              <a:rPr lang="zh-TW" altLang="en-US" dirty="0"/>
+              <a:t>算一個</a:t>
+            </a:r>
+            <a:r>
+              <a:rPr lang="en-US" altLang="zh-TW" dirty="0"/>
+              <a:t>char)</a:t>
             </a:r>
             <a:endParaRPr lang="zh-TW" altLang="en-US" dirty="0"/>
           </a:p>
@@ -4853,7 +4953,7 @@
           <p:cNvPr id="3" name="內容版面配置區 2">
             <a:extLst>
               <a:ext uri="{FF2B5EF4-FFF2-40B4-BE49-F238E27FC236}">
-                <a16:creationId xmlns:a16="http://schemas.microsoft.com/office/drawing/2014/main" id="{13D69E0B-307A-4413-920F-259C70B1B856}"/>
+                <a16:creationId xmlns:a16="http://schemas.microsoft.com/office/drawing/2014/main" id="{306427BB-C079-4768-908B-3007D2DE5B69}"/>
               </a:ext>
             </a:extLst>
           </p:cNvPr>
@@ -4867,32 +4967,24 @@
         <p:spPr/>
         <p:txBody>
           <a:bodyPr>
-            <a:normAutofit fontScale="92500"/>
+            <a:normAutofit/>
           </a:bodyPr>
           <a:lstStyle/>
-          <a:p>
-            <a:r>
-              <a:rPr lang="zh-TW" altLang="en-US" sz="5400" dirty="0"/>
-              <a:t> 每隔一秒發出一聲，並將次數輸出</a:t>
-            </a:r>
-            <a:endParaRPr lang="en-US" altLang="zh-TW" sz="5400" dirty="0"/>
-          </a:p>
-          <a:p>
-            <a:endParaRPr lang="en-US" altLang="zh-TW" sz="5400" dirty="0"/>
-          </a:p>
-          <a:p>
-            <a:r>
-              <a:rPr lang="en-US" altLang="zh-TW" sz="5400" dirty="0"/>
-              <a:t>Hint: </a:t>
-            </a:r>
-          </a:p>
           <a:p>
             <a:pPr marL="0" indent="0">
               <a:buNone/>
             </a:pPr>
             <a:r>
               <a:rPr lang="en-US" altLang="zh-TW" sz="5400" dirty="0"/>
-              <a:t>		\a </a:t>
+              <a:t>\\ :</a:t>
+            </a:r>
+            <a:r>
+              <a:rPr lang="zh-TW" altLang="en-US" sz="5400" dirty="0"/>
+              <a:t> 輸出</a:t>
+            </a:r>
+            <a:r>
+              <a:rPr lang="en-US" altLang="zh-TW" sz="5400" dirty="0"/>
+              <a:t>\</a:t>
             </a:r>
           </a:p>
           <a:p>
@@ -4900,17 +4992,90 @@
               <a:buNone/>
             </a:pPr>
             <a:r>
-              <a:rPr lang="en-US" altLang="zh-TW" sz="4400" dirty="0"/>
-              <a:t>		Sleep() 		// #include &lt;</a:t>
-            </a:r>
-            <a:r>
-              <a:rPr lang="en-US" altLang="zh-TW" sz="4400" dirty="0" err="1"/>
-              <a:t>windows.h</a:t>
-            </a:r>
-            <a:r>
-              <a:rPr lang="en-US" altLang="zh-TW" sz="4400" dirty="0"/>
-              <a:t>&gt;</a:t>
-            </a:r>
+              <a:rPr lang="en-US" altLang="zh-TW" sz="5400" dirty="0"/>
+              <a:t>\’ : </a:t>
+            </a:r>
+            <a:r>
+              <a:rPr lang="zh-TW" altLang="en-US" sz="5400" dirty="0"/>
+              <a:t>輸出</a:t>
+            </a:r>
+            <a:r>
+              <a:rPr lang="en-US" altLang="zh-TW" sz="5400" dirty="0"/>
+              <a:t>‘</a:t>
+            </a:r>
+          </a:p>
+          <a:p>
+            <a:pPr marL="0" indent="0">
+              <a:buNone/>
+            </a:pPr>
+            <a:r>
+              <a:rPr lang="en-US" altLang="zh-TW" sz="5400" dirty="0"/>
+              <a:t>\” : </a:t>
+            </a:r>
+            <a:r>
+              <a:rPr lang="zh-TW" altLang="en-US" sz="5400" dirty="0"/>
+              <a:t>輸出</a:t>
+            </a:r>
+            <a:r>
+              <a:rPr lang="en-US" altLang="zh-TW" sz="5400" dirty="0"/>
+              <a:t>”</a:t>
+            </a:r>
+          </a:p>
+          <a:p>
+            <a:pPr marL="0" indent="0">
+              <a:buNone/>
+            </a:pPr>
+            <a:r>
+              <a:rPr lang="en-US" altLang="zh-TW" sz="5400" dirty="0"/>
+              <a:t>\a</a:t>
+            </a:r>
+            <a:r>
+              <a:rPr lang="zh-TW" altLang="en-US" sz="5400" dirty="0"/>
+              <a:t> </a:t>
+            </a:r>
+            <a:r>
+              <a:rPr lang="en-US" altLang="zh-TW" sz="5400" dirty="0"/>
+              <a:t>:</a:t>
+            </a:r>
+            <a:r>
+              <a:rPr lang="zh-TW" altLang="en-US" sz="5400" dirty="0"/>
+              <a:t> 發出一聲</a:t>
+            </a:r>
+            <a:r>
+              <a:rPr lang="en-US" altLang="zh-TW" sz="5400" dirty="0"/>
+              <a:t> </a:t>
+            </a:r>
+          </a:p>
+          <a:p>
+            <a:pPr marL="0" indent="0">
+              <a:buNone/>
+            </a:pPr>
+            <a:r>
+              <a:rPr lang="zh-TW" altLang="en-US" sz="5400" dirty="0"/>
+              <a:t> </a:t>
+            </a:r>
+            <a:r>
+              <a:rPr lang="en-US" altLang="zh-TW" sz="5400" dirty="0"/>
+              <a:t>\b</a:t>
+            </a:r>
+            <a:r>
+              <a:rPr lang="zh-TW" altLang="en-US" sz="5400" dirty="0"/>
+              <a:t> </a:t>
+            </a:r>
+            <a:r>
+              <a:rPr lang="en-US" altLang="zh-TW" sz="5400" dirty="0"/>
+              <a:t>:</a:t>
+            </a:r>
+            <a:r>
+              <a:rPr lang="zh-TW" altLang="en-US" sz="5400" dirty="0"/>
+              <a:t> 倒退一格</a:t>
+            </a:r>
+            <a:endParaRPr lang="en-US" altLang="zh-TW" sz="5400" dirty="0"/>
+          </a:p>
+          <a:p>
+            <a:pPr marL="0" indent="0">
+              <a:buNone/>
+            </a:pPr>
             <a:endParaRPr lang="zh-TW" altLang="en-US" sz="4400" dirty="0"/>
           </a:p>
         </p:txBody>
@@ -4918,7 +5083,7 @@
     </p:spTree>
     <p:extLst>
       <p:ext uri="{BB962C8B-B14F-4D97-AF65-F5344CB8AC3E}">
-        <p14:creationId xmlns:p14="http://schemas.microsoft.com/office/powerpoint/2010/main" val="1126798484"/>
+        <p14:creationId xmlns:p14="http://schemas.microsoft.com/office/powerpoint/2010/main" val="2653203427"/>
       </p:ext>
     </p:extLst>
   </p:cSld>
@@ -4950,6 +5115,227 @@
           <p:cNvPr id="2" name="標題 1">
             <a:extLst>
               <a:ext uri="{FF2B5EF4-FFF2-40B4-BE49-F238E27FC236}">
+                <a16:creationId xmlns:a16="http://schemas.microsoft.com/office/drawing/2014/main" id="{B206AED5-0AE6-463C-98C4-027F288E1B30}"/>
+              </a:ext>
+            </a:extLst>
+          </p:cNvPr>
+          <p:cNvSpPr>
+            <a:spLocks noGrp="1"/>
+          </p:cNvSpPr>
+          <p:nvPr>
+            <p:ph type="title"/>
+          </p:nvPr>
+        </p:nvSpPr>
+        <p:spPr/>
+        <p:txBody>
+          <a:bodyPr/>
+          <a:lstStyle/>
+          <a:p>
+            <a:endParaRPr lang="zh-TW" altLang="en-US"/>
+          </a:p>
+        </p:txBody>
+      </p:sp>
+      <p:pic>
+        <p:nvPicPr>
+          <p:cNvPr id="5" name="內容版面配置區 4">
+            <a:extLst>
+              <a:ext uri="{FF2B5EF4-FFF2-40B4-BE49-F238E27FC236}">
+                <a16:creationId xmlns:a16="http://schemas.microsoft.com/office/drawing/2014/main" id="{D5F8CAF7-0393-40B7-B2A1-DA9028B4FD02}"/>
+              </a:ext>
+            </a:extLst>
+          </p:cNvPr>
+          <p:cNvPicPr>
+            <a:picLocks noGrp="1" noChangeAspect="1"/>
+          </p:cNvPicPr>
+          <p:nvPr>
+            <p:ph idx="1"/>
+          </p:nvPr>
+        </p:nvPicPr>
+        <p:blipFill>
+          <a:blip r:embed="rId2">
+            <a:extLst>
+              <a:ext uri="{28A0092B-C50C-407E-A947-70E740481C1C}">
+                <a14:useLocalDpi xmlns:a14="http://schemas.microsoft.com/office/drawing/2010/main" val="0"/>
+              </a:ext>
+            </a:extLst>
+          </a:blip>
+          <a:stretch>
+            <a:fillRect/>
+          </a:stretch>
+        </p:blipFill>
+        <p:spPr>
+          <a:xfrm>
+            <a:off x="300732" y="1270810"/>
+            <a:ext cx="11744558" cy="3972994"/>
+          </a:xfrm>
+        </p:spPr>
+      </p:pic>
+    </p:spTree>
+    <p:extLst>
+      <p:ext uri="{BB962C8B-B14F-4D97-AF65-F5344CB8AC3E}">
+        <p14:creationId xmlns:p14="http://schemas.microsoft.com/office/powerpoint/2010/main" val="2125455827"/>
+      </p:ext>
+    </p:extLst>
+  </p:cSld>
+  <p:clrMapOvr>
+    <a:masterClrMapping/>
+  </p:clrMapOvr>
+</p:sld>
+</file>
+
+<file path=ppt/slides/slide12.xml><?xml version="1.0" encoding="utf-8"?>
+<p:sld xmlns:a="http://schemas.openxmlformats.org/drawingml/2006/main" xmlns:r="http://schemas.openxmlformats.org/officeDocument/2006/relationships" xmlns:p="http://schemas.openxmlformats.org/presentationml/2006/main">
+  <p:cSld>
+    <p:spTree>
+      <p:nvGrpSpPr>
+        <p:cNvPr id="1" name=""/>
+        <p:cNvGrpSpPr/>
+        <p:nvPr/>
+      </p:nvGrpSpPr>
+      <p:grpSpPr>
+        <a:xfrm>
+          <a:off x="0" y="0"/>
+          <a:ext cx="0" cy="0"/>
+          <a:chOff x="0" y="0"/>
+          <a:chExt cx="0" cy="0"/>
+        </a:xfrm>
+      </p:grpSpPr>
+      <p:sp>
+        <p:nvSpPr>
+          <p:cNvPr id="2" name="標題 1">
+            <a:extLst>
+              <a:ext uri="{FF2B5EF4-FFF2-40B4-BE49-F238E27FC236}">
+                <a16:creationId xmlns:a16="http://schemas.microsoft.com/office/drawing/2014/main" id="{BBDC850C-14B7-485D-9388-4FF40363D8F5}"/>
+              </a:ext>
+            </a:extLst>
+          </p:cNvPr>
+          <p:cNvSpPr>
+            <a:spLocks noGrp="1"/>
+          </p:cNvSpPr>
+          <p:nvPr>
+            <p:ph type="title"/>
+          </p:nvPr>
+        </p:nvSpPr>
+        <p:spPr/>
+        <p:txBody>
+          <a:bodyPr/>
+          <a:lstStyle/>
+          <a:p>
+            <a:pPr algn="ctr"/>
+            <a:r>
+              <a:rPr lang="zh-TW" altLang="en-US" dirty="0"/>
+              <a:t>練習</a:t>
+            </a:r>
+            <a:r>
+              <a:rPr lang="en-US" altLang="zh-TW" dirty="0"/>
+              <a:t>1 </a:t>
+            </a:r>
+            <a:endParaRPr lang="zh-TW" altLang="en-US" dirty="0"/>
+          </a:p>
+        </p:txBody>
+      </p:sp>
+      <p:sp>
+        <p:nvSpPr>
+          <p:cNvPr id="3" name="內容版面配置區 2">
+            <a:extLst>
+              <a:ext uri="{FF2B5EF4-FFF2-40B4-BE49-F238E27FC236}">
+                <a16:creationId xmlns:a16="http://schemas.microsoft.com/office/drawing/2014/main" id="{13D69E0B-307A-4413-920F-259C70B1B856}"/>
+              </a:ext>
+            </a:extLst>
+          </p:cNvPr>
+          <p:cNvSpPr>
+            <a:spLocks noGrp="1"/>
+          </p:cNvSpPr>
+          <p:nvPr>
+            <p:ph idx="1"/>
+          </p:nvPr>
+        </p:nvSpPr>
+        <p:spPr/>
+        <p:txBody>
+          <a:bodyPr>
+            <a:normAutofit fontScale="92500"/>
+          </a:bodyPr>
+          <a:lstStyle/>
+          <a:p>
+            <a:r>
+              <a:rPr lang="zh-TW" altLang="en-US" sz="5400" dirty="0"/>
+              <a:t> 每隔一秒發出一聲，並將次數輸出</a:t>
+            </a:r>
+            <a:endParaRPr lang="en-US" altLang="zh-TW" sz="5400" dirty="0"/>
+          </a:p>
+          <a:p>
+            <a:endParaRPr lang="en-US" altLang="zh-TW" sz="5400" dirty="0"/>
+          </a:p>
+          <a:p>
+            <a:r>
+              <a:rPr lang="en-US" altLang="zh-TW" sz="5400" dirty="0"/>
+              <a:t>Hint: </a:t>
+            </a:r>
+          </a:p>
+          <a:p>
+            <a:pPr marL="0" indent="0">
+              <a:buNone/>
+            </a:pPr>
+            <a:r>
+              <a:rPr lang="en-US" altLang="zh-TW" sz="5400" dirty="0"/>
+              <a:t>		\a </a:t>
+            </a:r>
+          </a:p>
+          <a:p>
+            <a:pPr marL="0" indent="0">
+              <a:buNone/>
+            </a:pPr>
+            <a:r>
+              <a:rPr lang="en-US" altLang="zh-TW" sz="4400" dirty="0"/>
+              <a:t>		Sleep() 		// #include &lt;</a:t>
+            </a:r>
+            <a:r>
+              <a:rPr lang="en-US" altLang="zh-TW" sz="4400" dirty="0" err="1"/>
+              <a:t>windows.h</a:t>
+            </a:r>
+            <a:r>
+              <a:rPr lang="en-US" altLang="zh-TW" sz="4400" dirty="0"/>
+              <a:t>&gt;</a:t>
+            </a:r>
+            <a:endParaRPr lang="zh-TW" altLang="en-US" sz="4400" dirty="0"/>
+          </a:p>
+        </p:txBody>
+      </p:sp>
+    </p:spTree>
+    <p:extLst>
+      <p:ext uri="{BB962C8B-B14F-4D97-AF65-F5344CB8AC3E}">
+        <p14:creationId xmlns:p14="http://schemas.microsoft.com/office/powerpoint/2010/main" val="1126798484"/>
+      </p:ext>
+    </p:extLst>
+  </p:cSld>
+  <p:clrMapOvr>
+    <a:masterClrMapping/>
+  </p:clrMapOvr>
+</p:sld>
+</file>
+
+<file path=ppt/slides/slide13.xml><?xml version="1.0" encoding="utf-8"?>
+<p:sld xmlns:a="http://schemas.openxmlformats.org/drawingml/2006/main" xmlns:r="http://schemas.openxmlformats.org/officeDocument/2006/relationships" xmlns:p="http://schemas.openxmlformats.org/presentationml/2006/main">
+  <p:cSld>
+    <p:spTree>
+      <p:nvGrpSpPr>
+        <p:cNvPr id="1" name=""/>
+        <p:cNvGrpSpPr/>
+        <p:nvPr/>
+      </p:nvGrpSpPr>
+      <p:grpSpPr>
+        <a:xfrm>
+          <a:off x="0" y="0"/>
+          <a:ext cx="0" cy="0"/>
+          <a:chOff x="0" y="0"/>
+          <a:chExt cx="0" cy="0"/>
+        </a:xfrm>
+      </p:grpSpPr>
+      <p:sp>
+        <p:nvSpPr>
+          <p:cNvPr id="2" name="標題 1">
+            <a:extLst>
+              <a:ext uri="{FF2B5EF4-FFF2-40B4-BE49-F238E27FC236}">
                 <a16:creationId xmlns:a16="http://schemas.microsoft.com/office/drawing/2014/main" id="{290D711A-62CB-47E2-9B28-020734B8DC0D}"/>
               </a:ext>
             </a:extLst>
@@ -5018,7 +5404,7 @@
 </p:sld>
 </file>
 
-<file path=ppt/slides/slide12.xml><?xml version="1.0" encoding="utf-8"?>
+<file path=ppt/slides/slide14.xml><?xml version="1.0" encoding="utf-8"?>
 <p:sld xmlns:a="http://schemas.openxmlformats.org/drawingml/2006/main" xmlns:r="http://schemas.openxmlformats.org/officeDocument/2006/relationships" xmlns:p="http://schemas.openxmlformats.org/presentationml/2006/main">
   <p:cSld>
     <p:spTree>
@@ -5198,7 +5584,7 @@
 </p:sld>
 </file>
 
-<file path=ppt/slides/slide13.xml><?xml version="1.0" encoding="utf-8"?>
+<file path=ppt/slides/slide15.xml><?xml version="1.0" encoding="utf-8"?>
 <p:sld xmlns:a="http://schemas.openxmlformats.org/drawingml/2006/main" xmlns:r="http://schemas.openxmlformats.org/officeDocument/2006/relationships" xmlns:p="http://schemas.openxmlformats.org/presentationml/2006/main">
   <p:cSld>
     <p:spTree>
@@ -5676,7 +6062,7 @@
 </p:sld>
 </file>
 
-<file path=ppt/slides/slide14.xml><?xml version="1.0" encoding="utf-8"?>
+<file path=ppt/slides/slide16.xml><?xml version="1.0" encoding="utf-8"?>
 <p:sld xmlns:a="http://schemas.openxmlformats.org/drawingml/2006/main" xmlns:r="http://schemas.openxmlformats.org/officeDocument/2006/relationships" xmlns:p="http://schemas.openxmlformats.org/presentationml/2006/main">
   <p:cSld>
     <p:spTree>
@@ -5965,7 +6351,7 @@
 </p:sld>
 </file>
 
-<file path=ppt/slides/slide15.xml><?xml version="1.0" encoding="utf-8"?>
+<file path=ppt/slides/slide17.xml><?xml version="1.0" encoding="utf-8"?>
 <p:sld xmlns:a="http://schemas.openxmlformats.org/drawingml/2006/main" xmlns:r="http://schemas.openxmlformats.org/officeDocument/2006/relationships" xmlns:p="http://schemas.openxmlformats.org/presentationml/2006/main">
   <p:cSld>
     <p:spTree>
@@ -5987,7 +6373,7 @@
           <p:cNvPr id="2" name="標題 1">
             <a:extLst>
               <a:ext uri="{FF2B5EF4-FFF2-40B4-BE49-F238E27FC236}">
-                <a16:creationId xmlns:a16="http://schemas.microsoft.com/office/drawing/2014/main" id="{7D6CCF12-05C1-460B-B8C0-8725A3AE7119}"/>
+                <a16:creationId xmlns:a16="http://schemas.microsoft.com/office/drawing/2014/main" id="{3E3C2C31-B513-4711-812E-64CC0959CDCC}"/>
               </a:ext>
             </a:extLst>
           </p:cNvPr>
@@ -5998,222 +6384,29 @@
             <p:ph type="title"/>
           </p:nvPr>
         </p:nvSpPr>
-        <p:spPr/>
+        <p:spPr>
+          <a:xfrm>
+            <a:off x="3264159" y="2361878"/>
+            <a:ext cx="5394650" cy="1790246"/>
+          </a:xfrm>
+        </p:spPr>
         <p:txBody>
           <a:bodyPr>
             <a:normAutofit/>
           </a:bodyPr>
           <a:lstStyle/>
           <a:p>
-            <a:pPr algn="ctr"/>
-            <a:r>
-              <a:rPr lang="zh-TW" altLang="en-US" sz="6000" dirty="0"/>
-              <a:t>作業</a:t>
-            </a:r>
-            <a:r>
-              <a:rPr lang="en-US" altLang="zh-TW" sz="6000" dirty="0"/>
-              <a:t>1</a:t>
-            </a:r>
-            <a:endParaRPr lang="zh-TW" altLang="en-US" sz="6000" dirty="0"/>
-          </a:p>
-        </p:txBody>
-      </p:sp>
-      <p:sp>
-        <p:nvSpPr>
-          <p:cNvPr id="6" name="文字方塊 5">
-            <a:extLst>
-              <a:ext uri="{FF2B5EF4-FFF2-40B4-BE49-F238E27FC236}">
-                <a16:creationId xmlns:a16="http://schemas.microsoft.com/office/drawing/2014/main" id="{6BB091F9-7A8F-48B4-9ACC-40622D8F4F72}"/>
-              </a:ext>
-            </a:extLst>
-          </p:cNvPr>
-          <p:cNvSpPr txBox="1"/>
-          <p:nvPr/>
-        </p:nvSpPr>
-        <p:spPr>
-          <a:xfrm>
-            <a:off x="336737" y="750144"/>
-            <a:ext cx="7491646" cy="6524863"/>
-          </a:xfrm>
-          <a:prstGeom prst="rect">
-            <a:avLst/>
-          </a:prstGeom>
-          <a:noFill/>
-        </p:spPr>
-        <p:txBody>
-          <a:bodyPr wrap="square" rtlCol="0">
-            <a:spAutoFit/>
-          </a:bodyPr>
-          <a:lstStyle/>
-          <a:p>
-            <a:pPr marL="285750" indent="-285750">
-              <a:buFont typeface="Arial" panose="020B0604020202020204" pitchFamily="34" charset="0"/>
-              <a:buChar char="•"/>
-            </a:pPr>
-            <a:endParaRPr lang="en-US" altLang="zh-TW" sz="5400" dirty="0"/>
-          </a:p>
-          <a:p>
-            <a:pPr marL="571500" indent="-571500">
-              <a:buFont typeface="Arial" panose="020B0604020202020204" pitchFamily="34" charset="0"/>
-              <a:buChar char="•"/>
-            </a:pPr>
-            <a:r>
-              <a:rPr lang="zh-TW" altLang="en-US" sz="3600" dirty="0"/>
-              <a:t>給使用者輸入三個數</a:t>
-            </a:r>
-            <a:r>
-              <a:rPr lang="en-US" altLang="zh-TW" sz="3600" dirty="0"/>
-              <a:t>(</a:t>
-            </a:r>
-            <a:r>
-              <a:rPr lang="zh-TW" altLang="en-US" sz="3600" dirty="0"/>
-              <a:t>此範例為</a:t>
-            </a:r>
-            <a:r>
-              <a:rPr lang="en-US" altLang="zh-TW" sz="3600" dirty="0"/>
-              <a:t>3,4,5)</a:t>
-            </a:r>
-            <a:r>
-              <a:rPr lang="zh-TW" altLang="en-US" sz="3600" dirty="0"/>
-              <a:t>，輸出右方內容</a:t>
-            </a:r>
-            <a:endParaRPr lang="en-US" altLang="zh-TW" sz="3600" dirty="0"/>
-          </a:p>
-          <a:p>
-            <a:pPr marL="571500" indent="-571500">
-              <a:buFont typeface="Arial" panose="020B0604020202020204" pitchFamily="34" charset="0"/>
-              <a:buChar char="•"/>
-            </a:pPr>
-            <a:r>
-              <a:rPr lang="en-US" altLang="zh-TW" sz="3600" dirty="0"/>
-              <a:t>Input1,2,3</a:t>
-            </a:r>
-            <a:r>
-              <a:rPr lang="zh-TW" altLang="en-US" sz="3600" dirty="0"/>
-              <a:t>為提示輸入訊息</a:t>
-            </a:r>
-            <a:endParaRPr lang="en-US" altLang="zh-TW" sz="3600" dirty="0"/>
-          </a:p>
-          <a:p>
-            <a:endParaRPr lang="en-US" altLang="zh-TW" sz="3600" dirty="0"/>
-          </a:p>
-          <a:p>
-            <a:r>
-              <a:rPr lang="en-US" altLang="zh-TW" sz="3600" dirty="0"/>
-              <a:t>Ex. Input1: </a:t>
-            </a:r>
-            <a:r>
-              <a:rPr lang="en-US" altLang="zh-TW" sz="3600" dirty="0">
-                <a:solidFill>
-                  <a:srgbClr val="FF0000"/>
-                </a:solidFill>
-              </a:rPr>
-              <a:t>3</a:t>
-            </a:r>
-          </a:p>
-          <a:p>
-            <a:r>
-              <a:rPr lang="en-US" altLang="zh-TW" sz="3600" dirty="0"/>
-              <a:t>	</a:t>
-            </a:r>
-            <a:r>
-              <a:rPr lang="en-US" altLang="zh-TW" sz="4800" dirty="0"/>
-              <a:t>*- -</a:t>
-            </a:r>
-          </a:p>
-          <a:p>
-            <a:r>
-              <a:rPr lang="en-US" altLang="zh-TW" sz="4800" dirty="0"/>
-              <a:t>	**-</a:t>
-            </a:r>
-          </a:p>
-          <a:p>
-            <a:r>
-              <a:rPr lang="en-US" altLang="zh-TW" sz="4800" dirty="0"/>
-              <a:t>	***</a:t>
-            </a:r>
-          </a:p>
-          <a:p>
-            <a:endParaRPr lang="zh-TW" altLang="en-US" sz="4000" dirty="0"/>
-          </a:p>
-        </p:txBody>
-      </p:sp>
-      <p:pic>
-        <p:nvPicPr>
-          <p:cNvPr id="8" name="圖片 7">
-            <a:extLst>
-              <a:ext uri="{FF2B5EF4-FFF2-40B4-BE49-F238E27FC236}">
-                <a16:creationId xmlns:a16="http://schemas.microsoft.com/office/drawing/2014/main" id="{B369950C-5DCD-425B-83E8-8AFB25E587FB}"/>
-              </a:ext>
-            </a:extLst>
-          </p:cNvPr>
-          <p:cNvPicPr>
-            <a:picLocks noChangeAspect="1"/>
-          </p:cNvPicPr>
-          <p:nvPr/>
-        </p:nvPicPr>
-        <p:blipFill>
-          <a:blip r:embed="rId2">
-            <a:extLst>
-              <a:ext uri="{28A0092B-C50C-407E-A947-70E740481C1C}">
-                <a14:useLocalDpi xmlns:a14="http://schemas.microsoft.com/office/drawing/2010/main" val="0"/>
-              </a:ext>
-            </a:extLst>
-          </a:blip>
-          <a:stretch>
-            <a:fillRect/>
-          </a:stretch>
-        </p:blipFill>
-        <p:spPr>
-          <a:xfrm>
-            <a:off x="8544311" y="199281"/>
-            <a:ext cx="1658795" cy="6459438"/>
-          </a:xfrm>
-          <a:prstGeom prst="rect">
-            <a:avLst/>
-          </a:prstGeom>
-        </p:spPr>
-      </p:pic>
-      <p:pic>
-        <p:nvPicPr>
-          <p:cNvPr id="22" name="圖片 21">
-            <a:extLst>
-              <a:ext uri="{FF2B5EF4-FFF2-40B4-BE49-F238E27FC236}">
-                <a16:creationId xmlns:a16="http://schemas.microsoft.com/office/drawing/2014/main" id="{1B2CCC31-F6A6-4F80-961F-0597C67F2CD0}"/>
-              </a:ext>
-            </a:extLst>
-          </p:cNvPr>
-          <p:cNvPicPr>
-            <a:picLocks noChangeAspect="1"/>
-          </p:cNvPicPr>
-          <p:nvPr/>
-        </p:nvPicPr>
-        <p:blipFill>
-          <a:blip r:embed="rId3">
-            <a:extLst>
-              <a:ext uri="{28A0092B-C50C-407E-A947-70E740481C1C}">
-                <a14:useLocalDpi xmlns:a14="http://schemas.microsoft.com/office/drawing/2010/main" val="0"/>
-              </a:ext>
-            </a:extLst>
-          </a:blip>
-          <a:stretch>
-            <a:fillRect/>
-          </a:stretch>
-        </p:blipFill>
-        <p:spPr>
-          <a:xfrm>
-            <a:off x="7617843" y="92938"/>
-            <a:ext cx="4237420" cy="6672123"/>
-          </a:xfrm>
-          <a:prstGeom prst="rect">
-            <a:avLst/>
-          </a:prstGeom>
-        </p:spPr>
-      </p:pic>
+            <a:r>
+              <a:rPr lang="zh-TW" altLang="en-US" sz="9600" dirty="0"/>
+              <a:t>作業說明</a:t>
+            </a:r>
+          </a:p>
+        </p:txBody>
+      </p:sp>
     </p:spTree>
     <p:extLst>
       <p:ext uri="{BB962C8B-B14F-4D97-AF65-F5344CB8AC3E}">
-        <p14:creationId xmlns:p14="http://schemas.microsoft.com/office/powerpoint/2010/main" val="4228906309"/>
+        <p14:creationId xmlns:p14="http://schemas.microsoft.com/office/powerpoint/2010/main" val="403648089"/>
       </p:ext>
     </p:extLst>
   </p:cSld>
@@ -6223,7 +6416,7 @@
 </p:sld>
 </file>
 
-<file path=ppt/slides/slide16.xml><?xml version="1.0" encoding="utf-8"?>
+<file path=ppt/slides/slide18.xml><?xml version="1.0" encoding="utf-8"?>
 <p:sld xmlns:a="http://schemas.openxmlformats.org/drawingml/2006/main" xmlns:r="http://schemas.openxmlformats.org/officeDocument/2006/relationships" xmlns:p="http://schemas.openxmlformats.org/presentationml/2006/main">
   <p:cSld>
     <p:spTree>
@@ -6242,156 +6435,311 @@
       </p:grpSpPr>
       <p:sp>
         <p:nvSpPr>
-          <p:cNvPr id="2" name="標題 1">
-            <a:extLst>
-              <a:ext uri="{FF2B5EF4-FFF2-40B4-BE49-F238E27FC236}">
-                <a16:creationId xmlns:a16="http://schemas.microsoft.com/office/drawing/2014/main" id="{B43342DC-47D8-4367-ADCF-AC737EBDD88C}"/>
-              </a:ext>
-            </a:extLst>
-          </p:cNvPr>
-          <p:cNvSpPr>
-            <a:spLocks noGrp="1"/>
-          </p:cNvSpPr>
-          <p:nvPr>
-            <p:ph type="title"/>
-          </p:nvPr>
-        </p:nvSpPr>
-        <p:spPr/>
-        <p:txBody>
-          <a:bodyPr/>
-          <a:lstStyle/>
-          <a:p>
-            <a:pPr algn="ctr"/>
-            <a:r>
-              <a:rPr lang="zh-TW" altLang="en-US" dirty="0"/>
-              <a:t>算分方式</a:t>
-            </a:r>
-          </a:p>
-        </p:txBody>
-      </p:sp>
-      <p:sp>
-        <p:nvSpPr>
-          <p:cNvPr id="3" name="內容版面配置區 2">
-            <a:extLst>
-              <a:ext uri="{FF2B5EF4-FFF2-40B4-BE49-F238E27FC236}">
-                <a16:creationId xmlns:a16="http://schemas.microsoft.com/office/drawing/2014/main" id="{D86CB370-C773-41D0-88E3-7C453E38532D}"/>
-              </a:ext>
-            </a:extLst>
-          </p:cNvPr>
-          <p:cNvSpPr>
-            <a:spLocks noGrp="1"/>
-          </p:cNvSpPr>
-          <p:nvPr>
-            <p:ph idx="1"/>
-          </p:nvPr>
+          <p:cNvPr id="6" name="矩形 5">
+            <a:extLst>
+              <a:ext uri="{FF2B5EF4-FFF2-40B4-BE49-F238E27FC236}">
+                <a16:creationId xmlns:a16="http://schemas.microsoft.com/office/drawing/2014/main" id="{2AE69341-F7EC-44F2-9DB1-DA1B9D319530}"/>
+              </a:ext>
+            </a:extLst>
+          </p:cNvPr>
+          <p:cNvSpPr/>
+          <p:nvPr/>
         </p:nvSpPr>
         <p:spPr>
           <a:xfrm>
-            <a:off x="838199" y="1825625"/>
-            <a:ext cx="11067661" cy="4351338"/>
+            <a:off x="7940351" y="1324947"/>
+            <a:ext cx="2989921" cy="5167928"/>
+          </a:xfrm>
+          <a:prstGeom prst="rect">
+            <a:avLst/>
+          </a:prstGeom>
+        </p:spPr>
+        <p:style>
+          <a:lnRef idx="2">
+            <a:schemeClr val="accent1">
+              <a:shade val="50000"/>
+            </a:schemeClr>
+          </a:lnRef>
+          <a:fillRef idx="1">
+            <a:schemeClr val="accent1"/>
+          </a:fillRef>
+          <a:effectRef idx="0">
+            <a:schemeClr val="accent1"/>
+          </a:effectRef>
+          <a:fontRef idx="minor">
+            <a:schemeClr val="lt1"/>
+          </a:fontRef>
+        </p:style>
+        <p:txBody>
+          <a:bodyPr rtlCol="0" anchor="ctr"/>
+          <a:lstStyle/>
+          <a:p>
+            <a:pPr algn="ctr"/>
+            <a:endParaRPr lang="zh-TW" altLang="en-US"/>
+          </a:p>
+        </p:txBody>
+      </p:sp>
+      <p:sp>
+        <p:nvSpPr>
+          <p:cNvPr id="2" name="標題 1">
+            <a:extLst>
+              <a:ext uri="{FF2B5EF4-FFF2-40B4-BE49-F238E27FC236}">
+                <a16:creationId xmlns:a16="http://schemas.microsoft.com/office/drawing/2014/main" id="{A375F241-E932-4B43-922D-83760D0B6A80}"/>
+              </a:ext>
+            </a:extLst>
+          </p:cNvPr>
+          <p:cNvSpPr>
+            <a:spLocks noGrp="1"/>
+          </p:cNvSpPr>
+          <p:nvPr>
+            <p:ph type="title"/>
+          </p:nvPr>
+        </p:nvSpPr>
+        <p:spPr/>
+        <p:txBody>
+          <a:bodyPr/>
+          <a:lstStyle/>
+          <a:p>
+            <a:pPr algn="ctr"/>
+            <a:r>
+              <a:rPr lang="zh-TW" altLang="en-US" dirty="0"/>
+              <a:t>練習</a:t>
+            </a:r>
+            <a:r>
+              <a:rPr lang="en-US" altLang="zh-TW" dirty="0"/>
+              <a:t>4</a:t>
+            </a:r>
+            <a:endParaRPr lang="zh-TW" altLang="en-US" dirty="0"/>
+          </a:p>
+        </p:txBody>
+      </p:sp>
+      <p:pic>
+        <p:nvPicPr>
+          <p:cNvPr id="5" name="內容版面配置區 4">
+            <a:extLst>
+              <a:ext uri="{FF2B5EF4-FFF2-40B4-BE49-F238E27FC236}">
+                <a16:creationId xmlns:a16="http://schemas.microsoft.com/office/drawing/2014/main" id="{38E9E5F2-0705-42F1-9FEE-DD00EBBBD813}"/>
+              </a:ext>
+            </a:extLst>
+          </p:cNvPr>
+          <p:cNvPicPr>
+            <a:picLocks noGrp="1" noChangeAspect="1"/>
+          </p:cNvPicPr>
+          <p:nvPr>
+            <p:ph idx="1"/>
+          </p:nvPr>
+        </p:nvPicPr>
+        <p:blipFill>
+          <a:blip r:embed="rId3">
+            <a:extLst>
+              <a:ext uri="{28A0092B-C50C-407E-A947-70E740481C1C}">
+                <a14:useLocalDpi xmlns:a14="http://schemas.microsoft.com/office/drawing/2010/main" val="0"/>
+              </a:ext>
+            </a:extLst>
+          </a:blip>
+          <a:stretch>
+            <a:fillRect/>
+          </a:stretch>
+        </p:blipFill>
+        <p:spPr>
+          <a:xfrm>
+            <a:off x="8028207" y="1440441"/>
+            <a:ext cx="2810314" cy="4977591"/>
           </a:xfrm>
         </p:spPr>
-        <p:txBody>
-          <a:bodyPr>
-            <a:normAutofit fontScale="92500"/>
+      </p:pic>
+      <p:sp>
+        <p:nvSpPr>
+          <p:cNvPr id="7" name="文字方塊 6">
+            <a:extLst>
+              <a:ext uri="{FF2B5EF4-FFF2-40B4-BE49-F238E27FC236}">
+                <a16:creationId xmlns:a16="http://schemas.microsoft.com/office/drawing/2014/main" id="{3B3B1DB0-8305-4B44-B696-8D5295BA36F6}"/>
+              </a:ext>
+            </a:extLst>
+          </p:cNvPr>
+          <p:cNvSpPr txBox="1"/>
+          <p:nvPr/>
+        </p:nvSpPr>
+        <p:spPr>
+          <a:xfrm>
+            <a:off x="177282" y="1576873"/>
+            <a:ext cx="7119257" cy="523220"/>
+          </a:xfrm>
+          <a:prstGeom prst="rect">
+            <a:avLst/>
+          </a:prstGeom>
+          <a:noFill/>
+        </p:spPr>
+        <p:txBody>
+          <a:bodyPr wrap="none" rtlCol="0">
+            <a:spAutoFit/>
           </a:bodyPr>
           <a:lstStyle/>
           <a:p>
-            <a:r>
-              <a:rPr lang="en-US" altLang="zh-TW" sz="4400" dirty="0"/>
+            <a:pPr marL="285750" indent="-285750">
+              <a:buFont typeface="Arial" panose="020B0604020202020204" pitchFamily="34" charset="0"/>
+              <a:buChar char="•"/>
+            </a:pPr>
+            <a:r>
+              <a:rPr lang="zh-TW" altLang="en-US" sz="2800" dirty="0"/>
+              <a:t>給使用者輸入</a:t>
+            </a:r>
+            <a:r>
+              <a:rPr lang="en-US" altLang="zh-TW" sz="2800" dirty="0"/>
               <a:t>3</a:t>
             </a:r>
             <a:r>
-              <a:rPr lang="zh-TW" altLang="en-US" sz="4400" dirty="0"/>
-              <a:t>個公開測資，</a:t>
-            </a:r>
-            <a:r>
-              <a:rPr lang="en-US" altLang="zh-TW" sz="4400" dirty="0"/>
-              <a:t>2</a:t>
-            </a:r>
-            <a:r>
-              <a:rPr lang="zh-TW" altLang="en-US" sz="4400" dirty="0"/>
-              <a:t>個隱藏測資，對一個測資</a:t>
-            </a:r>
-            <a:r>
-              <a:rPr lang="en-US" altLang="zh-TW" sz="4400" dirty="0"/>
-              <a:t>20</a:t>
-            </a:r>
-            <a:r>
-              <a:rPr lang="zh-TW" altLang="en-US" sz="4400" dirty="0"/>
-              <a:t>分</a:t>
-            </a:r>
-            <a:endParaRPr lang="en-US" altLang="zh-TW" sz="4400" dirty="0"/>
-          </a:p>
-          <a:p>
-            <a:endParaRPr lang="en-US" altLang="zh-TW" sz="4400" dirty="0"/>
-          </a:p>
-          <a:p>
-            <a:r>
-              <a:rPr lang="zh-TW" altLang="en-US" sz="4400" dirty="0"/>
-              <a:t>完成後上傳</a:t>
-            </a:r>
-            <a:r>
-              <a:rPr lang="en-US" altLang="zh-TW" sz="4400" dirty="0" err="1"/>
-              <a:t>cpp</a:t>
-            </a:r>
-            <a:r>
-              <a:rPr lang="zh-TW" altLang="en-US" sz="4400" dirty="0"/>
-              <a:t>檔到</a:t>
-            </a:r>
-            <a:r>
-              <a:rPr lang="en-US" altLang="zh-TW" sz="4400" dirty="0"/>
-              <a:t>portal</a:t>
-            </a:r>
-            <a:r>
-              <a:rPr lang="zh-TW" altLang="en-US" sz="4400" dirty="0"/>
-              <a:t>作業區，名稱為學號</a:t>
-            </a:r>
-            <a:r>
-              <a:rPr lang="en-US" altLang="zh-TW" sz="4400" dirty="0"/>
-              <a:t>(ex. 1091111.cpp)</a:t>
-            </a:r>
-          </a:p>
-          <a:p>
-            <a:endParaRPr lang="en-US" altLang="zh-TW" sz="4400" dirty="0"/>
-          </a:p>
-          <a:p>
-            <a:r>
-              <a:rPr lang="zh-TW" altLang="en-US" sz="4400" dirty="0"/>
-              <a:t>期限一周 </a:t>
-            </a:r>
-            <a:r>
-              <a:rPr lang="en-US" altLang="zh-TW" sz="4400" dirty="0"/>
-              <a:t>(</a:t>
-            </a:r>
-            <a:r>
-              <a:rPr lang="zh-TW" altLang="en-US" sz="4400" dirty="0"/>
-              <a:t>到下次上課日</a:t>
-            </a:r>
-            <a:r>
-              <a:rPr lang="en-US" altLang="zh-TW" sz="4400" dirty="0"/>
-              <a:t>3/10 23:59)</a:t>
-            </a:r>
-            <a:r>
-              <a:rPr lang="zh-TW" altLang="en-US" sz="4400" dirty="0"/>
-              <a:t>，逾期</a:t>
-            </a:r>
-            <a:r>
-              <a:rPr lang="en-US" altLang="zh-TW" sz="4400" dirty="0"/>
-              <a:t>0</a:t>
-            </a:r>
-            <a:r>
-              <a:rPr lang="zh-TW" altLang="en-US" sz="4400" dirty="0"/>
-              <a:t>分</a:t>
-            </a:r>
-            <a:endParaRPr lang="en-US" altLang="zh-TW" sz="4400" dirty="0"/>
+              <a:rPr lang="zh-TW" altLang="en-US" sz="2800" dirty="0"/>
+              <a:t>個數，並在輸入完成後輸出</a:t>
+            </a:r>
+          </a:p>
+        </p:txBody>
+      </p:sp>
+      <p:sp>
+        <p:nvSpPr>
+          <p:cNvPr id="8" name="文字方塊 7">
+            <a:extLst>
+              <a:ext uri="{FF2B5EF4-FFF2-40B4-BE49-F238E27FC236}">
+                <a16:creationId xmlns:a16="http://schemas.microsoft.com/office/drawing/2014/main" id="{8F327617-C261-4575-A85F-792DCE27B7C4}"/>
+              </a:ext>
+            </a:extLst>
+          </p:cNvPr>
+          <p:cNvSpPr txBox="1"/>
+          <p:nvPr/>
+        </p:nvSpPr>
+        <p:spPr>
+          <a:xfrm>
+            <a:off x="708046" y="3683715"/>
+            <a:ext cx="2989921" cy="2862322"/>
+          </a:xfrm>
+          <a:prstGeom prst="rect">
+            <a:avLst/>
+          </a:prstGeom>
+          <a:noFill/>
+        </p:spPr>
+        <p:txBody>
+          <a:bodyPr wrap="none" rtlCol="0">
+            <a:spAutoFit/>
+          </a:bodyPr>
+          <a:lstStyle/>
+          <a:p>
+            <a:r>
+              <a:rPr lang="en-US" altLang="zh-TW" sz="6000" dirty="0"/>
+              <a:t>input1: </a:t>
+            </a:r>
+            <a:r>
+              <a:rPr lang="en-US" altLang="zh-TW" sz="6000" dirty="0">
+                <a:solidFill>
+                  <a:schemeClr val="accent5"/>
+                </a:solidFill>
+              </a:rPr>
+              <a:t>3</a:t>
+            </a:r>
+          </a:p>
+          <a:p>
+            <a:r>
+              <a:rPr lang="en-US" altLang="zh-TW" sz="6000" dirty="0"/>
+              <a:t>input2: </a:t>
+            </a:r>
+            <a:r>
+              <a:rPr lang="en-US" altLang="zh-TW" sz="6000" dirty="0">
+                <a:solidFill>
+                  <a:schemeClr val="accent5"/>
+                </a:solidFill>
+              </a:rPr>
+              <a:t>4</a:t>
+            </a:r>
+          </a:p>
+          <a:p>
+            <a:r>
+              <a:rPr lang="en-US" altLang="zh-TW" sz="6000" dirty="0"/>
+              <a:t>input3: </a:t>
+            </a:r>
+            <a:r>
+              <a:rPr lang="en-US" altLang="zh-TW" sz="6000" dirty="0">
+                <a:solidFill>
+                  <a:schemeClr val="accent5"/>
+                </a:solidFill>
+              </a:rPr>
+              <a:t>5</a:t>
+            </a:r>
+            <a:endParaRPr lang="zh-TW" altLang="en-US" sz="6000" dirty="0">
+              <a:solidFill>
+                <a:schemeClr val="accent5"/>
+              </a:solidFill>
+            </a:endParaRPr>
+          </a:p>
+        </p:txBody>
+      </p:sp>
+      <p:sp>
+        <p:nvSpPr>
+          <p:cNvPr id="9" name="文字方塊 8">
+            <a:extLst>
+              <a:ext uri="{FF2B5EF4-FFF2-40B4-BE49-F238E27FC236}">
+                <a16:creationId xmlns:a16="http://schemas.microsoft.com/office/drawing/2014/main" id="{A654ED61-3202-485A-ACB9-077B9B542655}"/>
+              </a:ext>
+            </a:extLst>
+          </p:cNvPr>
+          <p:cNvSpPr txBox="1"/>
+          <p:nvPr/>
+        </p:nvSpPr>
+        <p:spPr>
+          <a:xfrm>
+            <a:off x="554632" y="2353295"/>
+            <a:ext cx="5723042" cy="1077218"/>
+          </a:xfrm>
+          <a:prstGeom prst="rect">
+            <a:avLst/>
+          </a:prstGeom>
+          <a:noFill/>
+        </p:spPr>
+        <p:txBody>
+          <a:bodyPr wrap="none" rtlCol="0">
+            <a:spAutoFit/>
+          </a:bodyPr>
+          <a:lstStyle/>
+          <a:p>
+            <a:r>
+              <a:rPr lang="zh-TW" altLang="en-US" sz="3200" dirty="0"/>
+              <a:t>注意</a:t>
+            </a:r>
+            <a:r>
+              <a:rPr lang="en-US" altLang="zh-TW" sz="3200" dirty="0"/>
+              <a:t>: </a:t>
+            </a:r>
+            <a:r>
+              <a:rPr lang="zh-TW" altLang="en-US" sz="3200" b="1" dirty="0">
+                <a:solidFill>
+                  <a:schemeClr val="accent1">
+                    <a:lumMod val="60000"/>
+                    <a:lumOff val="40000"/>
+                  </a:schemeClr>
+                </a:solidFill>
+              </a:rPr>
+              <a:t>藍字</a:t>
+            </a:r>
+            <a:r>
+              <a:rPr lang="zh-TW" altLang="en-US" sz="3200" dirty="0"/>
+              <a:t>部分為使用者輸入，</a:t>
+            </a:r>
+            <a:endParaRPr lang="en-US" altLang="zh-TW" sz="3200" dirty="0"/>
+          </a:p>
+          <a:p>
+            <a:r>
+              <a:rPr lang="en-US" altLang="zh-TW" sz="3200" dirty="0"/>
+              <a:t>Input</a:t>
+            </a:r>
+            <a:r>
+              <a:rPr lang="zh-TW" altLang="en-US" sz="3200" dirty="0"/>
+              <a:t>則為提示輸入訊息</a:t>
+            </a:r>
           </a:p>
         </p:txBody>
       </p:sp>
     </p:spTree>
     <p:extLst>
       <p:ext uri="{BB962C8B-B14F-4D97-AF65-F5344CB8AC3E}">
-        <p14:creationId xmlns:p14="http://schemas.microsoft.com/office/powerpoint/2010/main" val="3054905019"/>
+        <p14:creationId xmlns:p14="http://schemas.microsoft.com/office/powerpoint/2010/main" val="938240975"/>
       </p:ext>
     </p:extLst>
   </p:cSld>
@@ -6401,7 +6749,412 @@
 </p:sld>
 </file>
 
-<file path=ppt/slides/slide17.xml><?xml version="1.0" encoding="utf-8"?>
+<file path=ppt/slides/slide19.xml><?xml version="1.0" encoding="utf-8"?>
+<p:sld xmlns:a="http://schemas.openxmlformats.org/drawingml/2006/main" xmlns:r="http://schemas.openxmlformats.org/officeDocument/2006/relationships" xmlns:p="http://schemas.openxmlformats.org/presentationml/2006/main">
+  <p:cSld>
+    <p:spTree>
+      <p:nvGrpSpPr>
+        <p:cNvPr id="1" name=""/>
+        <p:cNvGrpSpPr/>
+        <p:nvPr/>
+      </p:nvGrpSpPr>
+      <p:grpSpPr>
+        <a:xfrm>
+          <a:off x="0" y="0"/>
+          <a:ext cx="0" cy="0"/>
+          <a:chOff x="0" y="0"/>
+          <a:chExt cx="0" cy="0"/>
+        </a:xfrm>
+      </p:grpSpPr>
+      <p:sp>
+        <p:nvSpPr>
+          <p:cNvPr id="2" name="標題 1">
+            <a:extLst>
+              <a:ext uri="{FF2B5EF4-FFF2-40B4-BE49-F238E27FC236}">
+                <a16:creationId xmlns:a16="http://schemas.microsoft.com/office/drawing/2014/main" id="{8905AE89-6D1B-4D5C-838D-5D0FA75BFE52}"/>
+              </a:ext>
+            </a:extLst>
+          </p:cNvPr>
+          <p:cNvSpPr>
+            <a:spLocks noGrp="1"/>
+          </p:cNvSpPr>
+          <p:nvPr>
+            <p:ph type="title"/>
+          </p:nvPr>
+        </p:nvSpPr>
+        <p:spPr/>
+        <p:txBody>
+          <a:bodyPr/>
+          <a:lstStyle/>
+          <a:p>
+            <a:endParaRPr lang="zh-TW" altLang="en-US"/>
+          </a:p>
+        </p:txBody>
+      </p:sp>
+      <p:pic>
+        <p:nvPicPr>
+          <p:cNvPr id="5" name="內容版面配置區 4">
+            <a:extLst>
+              <a:ext uri="{FF2B5EF4-FFF2-40B4-BE49-F238E27FC236}">
+                <a16:creationId xmlns:a16="http://schemas.microsoft.com/office/drawing/2014/main" id="{55D3B2E8-BAFA-4FF1-A780-00EB09B0122C}"/>
+              </a:ext>
+            </a:extLst>
+          </p:cNvPr>
+          <p:cNvPicPr>
+            <a:picLocks noGrp="1" noChangeAspect="1"/>
+          </p:cNvPicPr>
+          <p:nvPr>
+            <p:ph idx="1"/>
+          </p:nvPr>
+        </p:nvPicPr>
+        <p:blipFill>
+          <a:blip r:embed="rId2">
+            <a:extLst>
+              <a:ext uri="{28A0092B-C50C-407E-A947-70E740481C1C}">
+                <a14:useLocalDpi xmlns:a14="http://schemas.microsoft.com/office/drawing/2010/main" val="0"/>
+              </a:ext>
+            </a:extLst>
+          </a:blip>
+          <a:stretch>
+            <a:fillRect/>
+          </a:stretch>
+        </p:blipFill>
+        <p:spPr>
+          <a:xfrm>
+            <a:off x="2609429" y="-1483568"/>
+            <a:ext cx="6463256" cy="8341568"/>
+          </a:xfrm>
+        </p:spPr>
+      </p:pic>
+    </p:spTree>
+    <p:extLst>
+      <p:ext uri="{BB962C8B-B14F-4D97-AF65-F5344CB8AC3E}">
+        <p14:creationId xmlns:p14="http://schemas.microsoft.com/office/powerpoint/2010/main" val="1802972068"/>
+      </p:ext>
+    </p:extLst>
+  </p:cSld>
+  <p:clrMapOvr>
+    <a:masterClrMapping/>
+  </p:clrMapOvr>
+</p:sld>
+</file>
+
+<file path=ppt/slides/slide2.xml><?xml version="1.0" encoding="utf-8"?>
+<p:sld xmlns:a="http://schemas.openxmlformats.org/drawingml/2006/main" xmlns:r="http://schemas.openxmlformats.org/officeDocument/2006/relationships" xmlns:p="http://schemas.openxmlformats.org/presentationml/2006/main">
+  <p:cSld>
+    <p:spTree>
+      <p:nvGrpSpPr>
+        <p:cNvPr id="1" name=""/>
+        <p:cNvGrpSpPr/>
+        <p:nvPr/>
+      </p:nvGrpSpPr>
+      <p:grpSpPr>
+        <a:xfrm>
+          <a:off x="0" y="0"/>
+          <a:ext cx="0" cy="0"/>
+          <a:chOff x="0" y="0"/>
+          <a:chExt cx="0" cy="0"/>
+        </a:xfrm>
+      </p:grpSpPr>
+      <p:sp>
+        <p:nvSpPr>
+          <p:cNvPr id="2" name="標題 1">
+            <a:extLst>
+              <a:ext uri="{FF2B5EF4-FFF2-40B4-BE49-F238E27FC236}">
+                <a16:creationId xmlns:a16="http://schemas.microsoft.com/office/drawing/2014/main" id="{4AC7E817-8E3E-4F67-9C34-376FF633724F}"/>
+              </a:ext>
+            </a:extLst>
+          </p:cNvPr>
+          <p:cNvSpPr>
+            <a:spLocks noGrp="1"/>
+          </p:cNvSpPr>
+          <p:nvPr>
+            <p:ph type="title"/>
+          </p:nvPr>
+        </p:nvSpPr>
+        <p:spPr/>
+        <p:txBody>
+          <a:bodyPr>
+            <a:normAutofit/>
+          </a:bodyPr>
+          <a:lstStyle/>
+          <a:p>
+            <a:pPr algn="ctr"/>
+            <a:r>
+              <a:rPr lang="zh-TW" altLang="en-US" sz="6600" dirty="0"/>
+              <a:t>起手式</a:t>
+            </a:r>
+          </a:p>
+        </p:txBody>
+      </p:sp>
+      <p:sp>
+        <p:nvSpPr>
+          <p:cNvPr id="3" name="內容版面配置區 2">
+            <a:extLst>
+              <a:ext uri="{FF2B5EF4-FFF2-40B4-BE49-F238E27FC236}">
+                <a16:creationId xmlns:a16="http://schemas.microsoft.com/office/drawing/2014/main" id="{6402F112-D444-46AE-853D-3D3A2E8BA147}"/>
+              </a:ext>
+            </a:extLst>
+          </p:cNvPr>
+          <p:cNvSpPr>
+            <a:spLocks noGrp="1"/>
+          </p:cNvSpPr>
+          <p:nvPr>
+            <p:ph idx="1"/>
+          </p:nvPr>
+        </p:nvSpPr>
+        <p:spPr/>
+        <p:txBody>
+          <a:bodyPr/>
+          <a:lstStyle/>
+          <a:p>
+            <a:pPr marL="514350" indent="-514350">
+              <a:buFont typeface="+mj-lt"/>
+              <a:buAutoNum type="arabicPeriod"/>
+            </a:pPr>
+            <a:r>
+              <a:rPr lang="zh-TW" altLang="en-US" sz="4000" dirty="0"/>
+              <a:t>桌面 </a:t>
+            </a:r>
+            <a:r>
+              <a:rPr lang="en-US" altLang="zh-TW" sz="4000" dirty="0"/>
+              <a:t>-&gt; [</a:t>
+            </a:r>
+            <a:r>
+              <a:rPr lang="zh-TW" altLang="en-US" sz="4000" dirty="0"/>
+              <a:t>新增</a:t>
+            </a:r>
+            <a:r>
+              <a:rPr lang="en-US" altLang="zh-TW" sz="4000" dirty="0"/>
+              <a:t>] -&gt; [</a:t>
+            </a:r>
+            <a:r>
+              <a:rPr lang="zh-TW" altLang="en-US" sz="4000" dirty="0"/>
+              <a:t>資料夾</a:t>
+            </a:r>
+            <a:r>
+              <a:rPr lang="en-US" altLang="zh-TW" sz="4000" dirty="0"/>
+              <a:t>]</a:t>
+            </a:r>
+            <a:r>
+              <a:rPr lang="zh-TW" altLang="en-US" sz="4000" dirty="0"/>
+              <a:t>，名稱自訂</a:t>
+            </a:r>
+            <a:endParaRPr lang="en-US" altLang="zh-TW" sz="4000" dirty="0"/>
+          </a:p>
+          <a:p>
+            <a:pPr marL="514350" indent="-514350">
+              <a:buFont typeface="+mj-lt"/>
+              <a:buAutoNum type="arabicPeriod"/>
+            </a:pPr>
+            <a:r>
+              <a:rPr lang="en-US" altLang="zh-TW" sz="4000" dirty="0"/>
+              <a:t>Dev </a:t>
+            </a:r>
+            <a:r>
+              <a:rPr lang="en-US" altLang="zh-TW" sz="4000" dirty="0" err="1"/>
+              <a:t>c++</a:t>
+            </a:r>
+            <a:r>
+              <a:rPr lang="en-US" altLang="zh-TW" sz="4000" dirty="0"/>
+              <a:t> -&gt; [</a:t>
+            </a:r>
+            <a:r>
+              <a:rPr lang="zh-TW" altLang="en-US" sz="4000" dirty="0"/>
+              <a:t>儲存</a:t>
+            </a:r>
+            <a:r>
+              <a:rPr lang="en-US" altLang="zh-TW" sz="4000" dirty="0"/>
+              <a:t>]-&gt;</a:t>
+            </a:r>
+            <a:r>
+              <a:rPr lang="zh-TW" altLang="en-US" sz="4000" dirty="0"/>
+              <a:t> 選取資料夾 </a:t>
+            </a:r>
+            <a:r>
+              <a:rPr lang="en-US" altLang="zh-TW" sz="4000" dirty="0"/>
+              <a:t>-&gt; [</a:t>
+            </a:r>
+            <a:r>
+              <a:rPr lang="zh-TW" altLang="en-US" sz="4000" dirty="0"/>
+              <a:t>存檔</a:t>
+            </a:r>
+            <a:r>
+              <a:rPr lang="en-US" altLang="zh-TW" sz="4000" dirty="0"/>
+              <a:t>]</a:t>
+            </a:r>
+          </a:p>
+          <a:p>
+            <a:pPr marL="514350" indent="-514350">
+              <a:buFont typeface="+mj-lt"/>
+              <a:buAutoNum type="arabicPeriod"/>
+            </a:pPr>
+            <a:r>
+              <a:rPr lang="en-US" altLang="zh-TW" sz="4000" dirty="0"/>
+              <a:t>&lt;ctrl&gt; + </a:t>
+            </a:r>
+            <a:r>
+              <a:rPr lang="zh-TW" altLang="en-US" sz="4000" dirty="0"/>
+              <a:t>滑鼠轉軸 可縮放字體</a:t>
+            </a:r>
+            <a:endParaRPr lang="en-US" altLang="zh-TW" sz="4000" dirty="0"/>
+          </a:p>
+          <a:p>
+            <a:pPr marL="514350" indent="-514350">
+              <a:buFont typeface="+mj-lt"/>
+              <a:buAutoNum type="arabicPeriod"/>
+            </a:pPr>
+            <a:r>
+              <a:rPr lang="zh-TW" altLang="en-US" sz="4000" dirty="0"/>
+              <a:t>若需開新檔，</a:t>
+            </a:r>
+            <a:r>
+              <a:rPr lang="en-US" altLang="zh-TW" sz="4000" dirty="0"/>
+              <a:t>[</a:t>
+            </a:r>
+            <a:r>
+              <a:rPr lang="zh-TW" altLang="en-US" sz="4000" dirty="0"/>
+              <a:t>檔案</a:t>
+            </a:r>
+            <a:r>
+              <a:rPr lang="en-US" altLang="zh-TW" sz="4000" dirty="0"/>
+              <a:t>]-&gt;[</a:t>
+            </a:r>
+            <a:r>
+              <a:rPr lang="zh-TW" altLang="en-US" sz="4000" dirty="0"/>
+              <a:t>開新檔案</a:t>
+            </a:r>
+            <a:r>
+              <a:rPr lang="en-US" altLang="zh-TW" sz="4000" dirty="0"/>
+              <a:t>]-&gt;[</a:t>
+            </a:r>
+            <a:r>
+              <a:rPr lang="zh-TW" altLang="en-US" sz="4000" dirty="0"/>
+              <a:t>原始碼</a:t>
+            </a:r>
+            <a:r>
+              <a:rPr lang="en-US" altLang="zh-TW" sz="4000" dirty="0"/>
+              <a:t>]</a:t>
+            </a:r>
+          </a:p>
+          <a:p>
+            <a:pPr marL="514350" indent="-514350">
+              <a:buFont typeface="+mj-lt"/>
+              <a:buAutoNum type="arabicPeriod"/>
+            </a:pPr>
+            <a:endParaRPr lang="en-US" altLang="zh-TW" dirty="0"/>
+          </a:p>
+          <a:p>
+            <a:pPr marL="514350" indent="-514350">
+              <a:buFont typeface="+mj-lt"/>
+              <a:buAutoNum type="arabicPeriod"/>
+            </a:pPr>
+            <a:endParaRPr lang="en-US" altLang="zh-TW" dirty="0"/>
+          </a:p>
+          <a:p>
+            <a:pPr marL="514350" indent="-514350">
+              <a:buFont typeface="+mj-lt"/>
+              <a:buAutoNum type="arabicPeriod"/>
+            </a:pPr>
+            <a:endParaRPr lang="zh-TW" altLang="en-US" dirty="0"/>
+          </a:p>
+        </p:txBody>
+      </p:sp>
+    </p:spTree>
+    <p:extLst>
+      <p:ext uri="{BB962C8B-B14F-4D97-AF65-F5344CB8AC3E}">
+        <p14:creationId xmlns:p14="http://schemas.microsoft.com/office/powerpoint/2010/main" val="2798612341"/>
+      </p:ext>
+    </p:extLst>
+  </p:cSld>
+  <p:clrMapOvr>
+    <a:masterClrMapping/>
+  </p:clrMapOvr>
+</p:sld>
+</file>
+
+<file path=ppt/slides/slide20.xml><?xml version="1.0" encoding="utf-8"?>
+<p:sld xmlns:a="http://schemas.openxmlformats.org/drawingml/2006/main" xmlns:r="http://schemas.openxmlformats.org/officeDocument/2006/relationships" xmlns:p="http://schemas.openxmlformats.org/presentationml/2006/main">
+  <p:cSld>
+    <p:spTree>
+      <p:nvGrpSpPr>
+        <p:cNvPr id="1" name=""/>
+        <p:cNvGrpSpPr/>
+        <p:nvPr/>
+      </p:nvGrpSpPr>
+      <p:grpSpPr>
+        <a:xfrm>
+          <a:off x="0" y="0"/>
+          <a:ext cx="0" cy="0"/>
+          <a:chOff x="0" y="0"/>
+          <a:chExt cx="0" cy="0"/>
+        </a:xfrm>
+      </p:grpSpPr>
+      <p:sp>
+        <p:nvSpPr>
+          <p:cNvPr id="3" name="內容版面配置區 2">
+            <a:extLst>
+              <a:ext uri="{FF2B5EF4-FFF2-40B4-BE49-F238E27FC236}">
+                <a16:creationId xmlns:a16="http://schemas.microsoft.com/office/drawing/2014/main" id="{AFE45B1E-C296-44DA-8A68-6427F017ABA3}"/>
+              </a:ext>
+            </a:extLst>
+          </p:cNvPr>
+          <p:cNvSpPr>
+            <a:spLocks noGrp="1"/>
+          </p:cNvSpPr>
+          <p:nvPr>
+            <p:ph idx="1"/>
+          </p:nvPr>
+        </p:nvSpPr>
+        <p:spPr/>
+        <p:txBody>
+          <a:bodyPr/>
+          <a:lstStyle/>
+          <a:p>
+            <a:r>
+              <a:rPr lang="zh-TW" altLang="en-US" sz="4400" dirty="0"/>
+              <a:t>完成後上傳</a:t>
+            </a:r>
+            <a:r>
+              <a:rPr lang="en-US" altLang="zh-TW" sz="4400" dirty="0" err="1"/>
+              <a:t>cpp</a:t>
+            </a:r>
+            <a:r>
+              <a:rPr lang="zh-TW" altLang="en-US" sz="4400" dirty="0"/>
+              <a:t>檔到</a:t>
+            </a:r>
+            <a:r>
+              <a:rPr lang="en-US" altLang="zh-TW" sz="4400" dirty="0"/>
+              <a:t>portal</a:t>
+            </a:r>
+            <a:r>
+              <a:rPr lang="zh-TW" altLang="en-US" sz="4400" dirty="0"/>
+              <a:t>作業區，名稱為學號</a:t>
+            </a:r>
+            <a:r>
+              <a:rPr lang="en-US" altLang="zh-TW" sz="4400" dirty="0"/>
+              <a:t>(ex. 1091111.cpp)</a:t>
+            </a:r>
+          </a:p>
+          <a:p>
+            <a:endParaRPr lang="zh-TW" altLang="en-US" dirty="0"/>
+          </a:p>
+        </p:txBody>
+      </p:sp>
+    </p:spTree>
+    <p:extLst>
+      <p:ext uri="{BB962C8B-B14F-4D97-AF65-F5344CB8AC3E}">
+        <p14:creationId xmlns:p14="http://schemas.microsoft.com/office/powerpoint/2010/main" val="2186379294"/>
+      </p:ext>
+    </p:extLst>
+  </p:cSld>
+  <p:clrMapOvr>
+    <a:masterClrMapping/>
+  </p:clrMapOvr>
+</p:sld>
+</file>
+
+<file path=ppt/slides/slide21.xml><?xml version="1.0" encoding="utf-8"?>
 <p:sld xmlns:a="http://schemas.openxmlformats.org/drawingml/2006/main" xmlns:r="http://schemas.openxmlformats.org/officeDocument/2006/relationships" xmlns:p="http://schemas.openxmlformats.org/presentationml/2006/main">
   <p:cSld>
     <p:spTree>
@@ -6591,7 +7344,7 @@
 </p:sld>
 </file>
 
-<file path=ppt/slides/slide18.xml><?xml version="1.0" encoding="utf-8"?>
+<file path=ppt/slides/slide22.xml><?xml version="1.0" encoding="utf-8"?>
 <p:sld xmlns:a="http://schemas.openxmlformats.org/drawingml/2006/main" xmlns:r="http://schemas.openxmlformats.org/officeDocument/2006/relationships" xmlns:p="http://schemas.openxmlformats.org/presentationml/2006/main">
   <p:cSld>
     <p:spTree>
@@ -6672,240 +7425,6 @@
     <p:extLst>
       <p:ext uri="{BB962C8B-B14F-4D97-AF65-F5344CB8AC3E}">
         <p14:creationId xmlns:p14="http://schemas.microsoft.com/office/powerpoint/2010/main" val="2141050869"/>
-      </p:ext>
-    </p:extLst>
-  </p:cSld>
-  <p:clrMapOvr>
-    <a:masterClrMapping/>
-  </p:clrMapOvr>
-</p:sld>
-</file>
-
-<file path=ppt/slides/slide2.xml><?xml version="1.0" encoding="utf-8"?>
-<p:sld xmlns:a="http://schemas.openxmlformats.org/drawingml/2006/main" xmlns:r="http://schemas.openxmlformats.org/officeDocument/2006/relationships" xmlns:p="http://schemas.openxmlformats.org/presentationml/2006/main">
-  <p:cSld>
-    <p:spTree>
-      <p:nvGrpSpPr>
-        <p:cNvPr id="1" name=""/>
-        <p:cNvGrpSpPr/>
-        <p:nvPr/>
-      </p:nvGrpSpPr>
-      <p:grpSpPr>
-        <a:xfrm>
-          <a:off x="0" y="0"/>
-          <a:ext cx="0" cy="0"/>
-          <a:chOff x="0" y="0"/>
-          <a:chExt cx="0" cy="0"/>
-        </a:xfrm>
-      </p:grpSpPr>
-      <p:sp>
-        <p:nvSpPr>
-          <p:cNvPr id="2" name="標題 1">
-            <a:extLst>
-              <a:ext uri="{FF2B5EF4-FFF2-40B4-BE49-F238E27FC236}">
-                <a16:creationId xmlns:a16="http://schemas.microsoft.com/office/drawing/2014/main" id="{4AC7E817-8E3E-4F67-9C34-376FF633724F}"/>
-              </a:ext>
-            </a:extLst>
-          </p:cNvPr>
-          <p:cNvSpPr>
-            <a:spLocks noGrp="1"/>
-          </p:cNvSpPr>
-          <p:nvPr>
-            <p:ph type="title"/>
-          </p:nvPr>
-        </p:nvSpPr>
-        <p:spPr/>
-        <p:txBody>
-          <a:bodyPr>
-            <a:normAutofit/>
-          </a:bodyPr>
-          <a:lstStyle/>
-          <a:p>
-            <a:pPr algn="ctr"/>
-            <a:r>
-              <a:rPr lang="zh-TW" altLang="en-US" sz="6600" dirty="0"/>
-              <a:t>起手式</a:t>
-            </a:r>
-          </a:p>
-        </p:txBody>
-      </p:sp>
-      <p:sp>
-        <p:nvSpPr>
-          <p:cNvPr id="3" name="內容版面配置區 2">
-            <a:extLst>
-              <a:ext uri="{FF2B5EF4-FFF2-40B4-BE49-F238E27FC236}">
-                <a16:creationId xmlns:a16="http://schemas.microsoft.com/office/drawing/2014/main" id="{6402F112-D444-46AE-853D-3D3A2E8BA147}"/>
-              </a:ext>
-            </a:extLst>
-          </p:cNvPr>
-          <p:cNvSpPr>
-            <a:spLocks noGrp="1"/>
-          </p:cNvSpPr>
-          <p:nvPr>
-            <p:ph idx="1"/>
-          </p:nvPr>
-        </p:nvSpPr>
-        <p:spPr/>
-        <p:txBody>
-          <a:bodyPr/>
-          <a:lstStyle/>
-          <a:p>
-            <a:pPr marL="514350" indent="-514350">
-              <a:buFont typeface="+mj-lt"/>
-              <a:buAutoNum type="arabicPeriod"/>
-            </a:pPr>
-            <a:r>
-              <a:rPr lang="zh-TW" altLang="en-US" sz="4000" dirty="0"/>
-              <a:t>桌面 </a:t>
-            </a:r>
-            <a:r>
-              <a:rPr lang="en-US" altLang="zh-TW" sz="4000" dirty="0"/>
-              <a:t>-&gt; [</a:t>
-            </a:r>
-            <a:r>
-              <a:rPr lang="zh-TW" altLang="en-US" sz="4000" dirty="0"/>
-              <a:t>新增</a:t>
-            </a:r>
-            <a:r>
-              <a:rPr lang="en-US" altLang="zh-TW" sz="4000" dirty="0"/>
-              <a:t>] -&gt; [</a:t>
-            </a:r>
-            <a:r>
-              <a:rPr lang="zh-TW" altLang="en-US" sz="4000" dirty="0"/>
-              <a:t>資料夾</a:t>
-            </a:r>
-            <a:r>
-              <a:rPr lang="en-US" altLang="zh-TW" sz="4000" dirty="0"/>
-              <a:t>]</a:t>
-            </a:r>
-            <a:r>
-              <a:rPr lang="zh-TW" altLang="en-US" sz="4000" dirty="0"/>
-              <a:t>，名稱自訂</a:t>
-            </a:r>
-            <a:endParaRPr lang="en-US" altLang="zh-TW" sz="4000" dirty="0"/>
-          </a:p>
-          <a:p>
-            <a:pPr marL="514350" indent="-514350">
-              <a:buFont typeface="+mj-lt"/>
-              <a:buAutoNum type="arabicPeriod"/>
-            </a:pPr>
-            <a:r>
-              <a:rPr lang="en-US" altLang="zh-TW" sz="4000" dirty="0"/>
-              <a:t>Dev </a:t>
-            </a:r>
-            <a:r>
-              <a:rPr lang="en-US" altLang="zh-TW" sz="4000" dirty="0" err="1"/>
-              <a:t>c++</a:t>
-            </a:r>
-            <a:r>
-              <a:rPr lang="en-US" altLang="zh-TW" sz="4000" dirty="0"/>
-              <a:t> -&gt; [</a:t>
-            </a:r>
-            <a:r>
-              <a:rPr lang="zh-TW" altLang="en-US" sz="4000" dirty="0"/>
-              <a:t>儲存</a:t>
-            </a:r>
-            <a:r>
-              <a:rPr lang="en-US" altLang="zh-TW" sz="4000" dirty="0"/>
-              <a:t>]-&gt;</a:t>
-            </a:r>
-            <a:r>
-              <a:rPr lang="zh-TW" altLang="en-US" sz="4000" dirty="0"/>
-              <a:t> 選取資料夾 </a:t>
-            </a:r>
-            <a:r>
-              <a:rPr lang="en-US" altLang="zh-TW" sz="4000" dirty="0"/>
-              <a:t>-&gt; [</a:t>
-            </a:r>
-            <a:r>
-              <a:rPr lang="zh-TW" altLang="en-US" sz="4000" dirty="0"/>
-              <a:t>存檔</a:t>
-            </a:r>
-            <a:r>
-              <a:rPr lang="en-US" altLang="zh-TW" sz="4000" dirty="0"/>
-              <a:t>]</a:t>
-            </a:r>
-          </a:p>
-          <a:p>
-            <a:pPr marL="514350" indent="-514350">
-              <a:buFont typeface="+mj-lt"/>
-              <a:buAutoNum type="arabicPeriod"/>
-            </a:pPr>
-            <a:r>
-              <a:rPr lang="en-US" altLang="zh-TW" sz="4000" dirty="0"/>
-              <a:t>&lt;ctrl&gt; + </a:t>
-            </a:r>
-            <a:r>
-              <a:rPr lang="zh-TW" altLang="en-US" sz="4000" dirty="0"/>
-              <a:t>滑鼠轉軸 可縮放字體</a:t>
-            </a:r>
-            <a:endParaRPr lang="en-US" altLang="zh-TW" sz="4000" dirty="0"/>
-          </a:p>
-          <a:p>
-            <a:pPr marL="514350" indent="-514350">
-              <a:buFont typeface="+mj-lt"/>
-              <a:buAutoNum type="arabicPeriod"/>
-            </a:pPr>
-            <a:r>
-              <a:rPr lang="zh-TW" altLang="en-US" sz="4000" dirty="0"/>
-              <a:t>若需開新檔，</a:t>
-            </a:r>
-            <a:r>
-              <a:rPr lang="en-US" altLang="zh-TW" sz="4000" dirty="0"/>
-              <a:t>[</a:t>
-            </a:r>
-            <a:r>
-              <a:rPr lang="zh-TW" altLang="en-US" sz="4000" dirty="0"/>
-              <a:t>檔案</a:t>
-            </a:r>
-            <a:r>
-              <a:rPr lang="en-US" altLang="zh-TW" sz="4000" dirty="0"/>
-              <a:t>]-&gt;[</a:t>
-            </a:r>
-            <a:r>
-              <a:rPr lang="zh-TW" altLang="en-US" sz="4000" dirty="0"/>
-              <a:t>開新檔案</a:t>
-            </a:r>
-            <a:r>
-              <a:rPr lang="en-US" altLang="zh-TW" sz="4000" dirty="0"/>
-              <a:t>]-&gt;[</a:t>
-            </a:r>
-            <a:r>
-              <a:rPr lang="zh-TW" altLang="en-US" sz="4000" dirty="0"/>
-              <a:t>原始碼</a:t>
-            </a:r>
-            <a:r>
-              <a:rPr lang="en-US" altLang="zh-TW" sz="4000" dirty="0"/>
-              <a:t>]</a:t>
-            </a:r>
-          </a:p>
-          <a:p>
-            <a:pPr marL="514350" indent="-514350">
-              <a:buFont typeface="+mj-lt"/>
-              <a:buAutoNum type="arabicPeriod"/>
-            </a:pPr>
-            <a:endParaRPr lang="en-US" altLang="zh-TW" dirty="0"/>
-          </a:p>
-          <a:p>
-            <a:pPr marL="514350" indent="-514350">
-              <a:buFont typeface="+mj-lt"/>
-              <a:buAutoNum type="arabicPeriod"/>
-            </a:pPr>
-            <a:endParaRPr lang="en-US" altLang="zh-TW" dirty="0"/>
-          </a:p>
-          <a:p>
-            <a:pPr marL="514350" indent="-514350">
-              <a:buFont typeface="+mj-lt"/>
-              <a:buAutoNum type="arabicPeriod"/>
-            </a:pPr>
-            <a:endParaRPr lang="zh-TW" altLang="en-US" dirty="0"/>
-          </a:p>
-        </p:txBody>
-      </p:sp>
-    </p:spTree>
-    <p:extLst>
-      <p:ext uri="{BB962C8B-B14F-4D97-AF65-F5344CB8AC3E}">
-        <p14:creationId xmlns:p14="http://schemas.microsoft.com/office/powerpoint/2010/main" val="2798612341"/>
       </p:ext>
     </p:extLst>
   </p:cSld>
@@ -7731,10 +8250,56 @@
       </p:grpSpPr>
       <p:sp>
         <p:nvSpPr>
+          <p:cNvPr id="8" name="矩形 7">
+            <a:extLst>
+              <a:ext uri="{FF2B5EF4-FFF2-40B4-BE49-F238E27FC236}">
+                <a16:creationId xmlns:a16="http://schemas.microsoft.com/office/drawing/2014/main" id="{09E94032-19D1-44C7-8070-579FD55EE228}"/>
+              </a:ext>
+            </a:extLst>
+          </p:cNvPr>
+          <p:cNvSpPr/>
+          <p:nvPr/>
+        </p:nvSpPr>
+        <p:spPr>
+          <a:xfrm>
+            <a:off x="251927" y="5275528"/>
+            <a:ext cx="11402008" cy="1115770"/>
+          </a:xfrm>
+          <a:prstGeom prst="rect">
+            <a:avLst/>
+          </a:prstGeom>
+        </p:spPr>
+        <p:style>
+          <a:lnRef idx="2">
+            <a:schemeClr val="accent1">
+              <a:shade val="50000"/>
+            </a:schemeClr>
+          </a:lnRef>
+          <a:fillRef idx="1">
+            <a:schemeClr val="accent1"/>
+          </a:fillRef>
+          <a:effectRef idx="0">
+            <a:schemeClr val="accent1"/>
+          </a:effectRef>
+          <a:fontRef idx="minor">
+            <a:schemeClr val="lt1"/>
+          </a:fontRef>
+        </p:style>
+        <p:txBody>
+          <a:bodyPr rtlCol="0" anchor="ctr"/>
+          <a:lstStyle/>
+          <a:p>
+            <a:pPr algn="ctr"/>
+            <a:endParaRPr lang="zh-TW" altLang="en-US"/>
+          </a:p>
+        </p:txBody>
+      </p:sp>
+      <p:sp>
+        <p:nvSpPr>
           <p:cNvPr id="2" name="標題 1">
             <a:extLst>
               <a:ext uri="{FF2B5EF4-FFF2-40B4-BE49-F238E27FC236}">
-                <a16:creationId xmlns:a16="http://schemas.microsoft.com/office/drawing/2014/main" id="{F9C898E0-B176-4A43-BEF2-AA2E181BCA6D}"/>
+                <a16:creationId xmlns:a16="http://schemas.microsoft.com/office/drawing/2014/main" id="{842050EE-DC96-4D10-9EF9-9C01B8296C6C}"/>
               </a:ext>
             </a:extLst>
           </p:cNvPr>
@@ -7750,163 +8315,85 @@
           <a:bodyPr/>
           <a:lstStyle/>
           <a:p>
-            <a:pPr algn="ctr"/>
-            <a:r>
-              <a:rPr lang="zh-TW" altLang="en-US" dirty="0"/>
-              <a:t>跳脫字元 </a:t>
-            </a:r>
-            <a:r>
-              <a:rPr lang="en-US" altLang="zh-TW" dirty="0"/>
-              <a:t>(</a:t>
-            </a:r>
-            <a:r>
-              <a:rPr lang="zh-TW" altLang="en-US" dirty="0"/>
-              <a:t>算一個</a:t>
-            </a:r>
-            <a:r>
-              <a:rPr lang="en-US" altLang="zh-TW" dirty="0"/>
-              <a:t>char)</a:t>
-            </a:r>
-            <a:endParaRPr lang="zh-TW" altLang="en-US" dirty="0"/>
-          </a:p>
-        </p:txBody>
-      </p:sp>
-      <p:sp>
-        <p:nvSpPr>
-          <p:cNvPr id="3" name="內容版面配置區 2">
-            <a:extLst>
-              <a:ext uri="{FF2B5EF4-FFF2-40B4-BE49-F238E27FC236}">
-                <a16:creationId xmlns:a16="http://schemas.microsoft.com/office/drawing/2014/main" id="{306427BB-C079-4768-908B-3007D2DE5B69}"/>
-              </a:ext>
-            </a:extLst>
-          </p:cNvPr>
-          <p:cNvSpPr>
-            <a:spLocks noGrp="1"/>
-          </p:cNvSpPr>
+            <a:endParaRPr lang="zh-TW" altLang="en-US"/>
+          </a:p>
+        </p:txBody>
+      </p:sp>
+      <p:pic>
+        <p:nvPicPr>
+          <p:cNvPr id="5" name="內容版面配置區 4">
+            <a:extLst>
+              <a:ext uri="{FF2B5EF4-FFF2-40B4-BE49-F238E27FC236}">
+                <a16:creationId xmlns:a16="http://schemas.microsoft.com/office/drawing/2014/main" id="{4D60806A-864D-4798-8A69-8BC8EA9E00F9}"/>
+              </a:ext>
+            </a:extLst>
+          </p:cNvPr>
+          <p:cNvPicPr>
+            <a:picLocks noGrp="1" noChangeAspect="1"/>
+          </p:cNvPicPr>
           <p:nvPr>
             <p:ph idx="1"/>
           </p:nvPr>
-        </p:nvSpPr>
-        <p:spPr/>
-        <p:txBody>
-          <a:bodyPr>
-            <a:normAutofit/>
-          </a:bodyPr>
-          <a:lstStyle/>
-          <a:p>
-            <a:pPr marL="0" indent="0">
-              <a:buNone/>
-            </a:pPr>
-            <a:r>
-              <a:rPr lang="en-US" altLang="zh-TW" sz="5400" dirty="0"/>
-              <a:t>\\ :</a:t>
-            </a:r>
-            <a:r>
-              <a:rPr lang="zh-TW" altLang="en-US" sz="5400" dirty="0"/>
-              <a:t> 輸出</a:t>
-            </a:r>
-            <a:r>
-              <a:rPr lang="en-US" altLang="zh-TW" sz="5400" dirty="0"/>
-              <a:t>\</a:t>
-            </a:r>
-          </a:p>
-          <a:p>
-            <a:pPr marL="0" indent="0">
-              <a:buNone/>
-            </a:pPr>
-            <a:r>
-              <a:rPr lang="en-US" altLang="zh-TW" sz="5400" dirty="0"/>
-              <a:t>\’ : </a:t>
-            </a:r>
-            <a:r>
-              <a:rPr lang="zh-TW" altLang="en-US" sz="5400" dirty="0"/>
-              <a:t>輸出</a:t>
-            </a:r>
-            <a:r>
-              <a:rPr lang="en-US" altLang="zh-TW" sz="5400" dirty="0"/>
-              <a:t>‘</a:t>
-            </a:r>
-          </a:p>
-          <a:p>
-            <a:pPr marL="0" indent="0">
-              <a:buNone/>
-            </a:pPr>
-            <a:r>
-              <a:rPr lang="en-US" altLang="zh-TW" sz="5400" dirty="0"/>
-              <a:t>\” : </a:t>
-            </a:r>
-            <a:r>
-              <a:rPr lang="zh-TW" altLang="en-US" sz="5400" dirty="0"/>
-              <a:t>輸出</a:t>
-            </a:r>
-            <a:r>
-              <a:rPr lang="en-US" altLang="zh-TW" sz="5400" dirty="0"/>
-              <a:t>”</a:t>
-            </a:r>
-          </a:p>
-          <a:p>
-            <a:pPr marL="0" indent="0">
-              <a:buNone/>
-            </a:pPr>
-            <a:r>
-              <a:rPr lang="en-US" altLang="zh-TW" sz="5400" dirty="0"/>
-              <a:t>\a</a:t>
-            </a:r>
-            <a:r>
-              <a:rPr lang="zh-TW" altLang="en-US" sz="5400" dirty="0"/>
-              <a:t> </a:t>
-            </a:r>
-            <a:r>
-              <a:rPr lang="en-US" altLang="zh-TW" sz="5400" dirty="0"/>
-              <a:t>:</a:t>
-            </a:r>
-            <a:r>
-              <a:rPr lang="zh-TW" altLang="en-US" sz="5400" dirty="0"/>
-              <a:t> 發出一聲</a:t>
-            </a:r>
-            <a:r>
-              <a:rPr lang="en-US" altLang="zh-TW" sz="5400" dirty="0"/>
-              <a:t> </a:t>
-            </a:r>
-          </a:p>
-          <a:p>
-            <a:pPr marL="0" indent="0">
-              <a:buNone/>
-            </a:pPr>
-            <a:r>
-              <a:rPr lang="zh-TW" altLang="en-US" sz="5400" dirty="0"/>
-              <a:t> </a:t>
-            </a:r>
-            <a:r>
-              <a:rPr lang="en-US" altLang="zh-TW" sz="5400" dirty="0"/>
-              <a:t>\b</a:t>
-            </a:r>
-            <a:r>
-              <a:rPr lang="zh-TW" altLang="en-US" sz="5400" dirty="0"/>
-              <a:t> </a:t>
-            </a:r>
-            <a:r>
-              <a:rPr lang="en-US" altLang="zh-TW" sz="5400" dirty="0"/>
-              <a:t>:</a:t>
-            </a:r>
-            <a:r>
-              <a:rPr lang="zh-TW" altLang="en-US" sz="5400" dirty="0"/>
-              <a:t> 倒退一格</a:t>
-            </a:r>
-            <a:endParaRPr lang="en-US" altLang="zh-TW" sz="5400" dirty="0"/>
-          </a:p>
-          <a:p>
-            <a:pPr marL="0" indent="0">
-              <a:buNone/>
-            </a:pPr>
-            <a:endParaRPr lang="zh-TW" altLang="en-US" sz="4400" dirty="0"/>
-          </a:p>
-        </p:txBody>
-      </p:sp>
+        </p:nvPicPr>
+        <p:blipFill>
+          <a:blip r:embed="rId2">
+            <a:extLst>
+              <a:ext uri="{28A0092B-C50C-407E-A947-70E740481C1C}">
+                <a14:useLocalDpi xmlns:a14="http://schemas.microsoft.com/office/drawing/2010/main" val="0"/>
+              </a:ext>
+            </a:extLst>
+          </a:blip>
+          <a:stretch>
+            <a:fillRect/>
+          </a:stretch>
+        </p:blipFill>
+        <p:spPr>
+          <a:xfrm>
+            <a:off x="343678" y="5355133"/>
+            <a:ext cx="11254273" cy="998841"/>
+          </a:xfrm>
+        </p:spPr>
+      </p:pic>
+      <p:pic>
+        <p:nvPicPr>
+          <p:cNvPr id="7" name="圖片 6">
+            <a:extLst>
+              <a:ext uri="{FF2B5EF4-FFF2-40B4-BE49-F238E27FC236}">
+                <a16:creationId xmlns:a16="http://schemas.microsoft.com/office/drawing/2014/main" id="{227679D3-1B69-4EA5-878A-E218A5500455}"/>
+              </a:ext>
+            </a:extLst>
+          </p:cNvPr>
+          <p:cNvPicPr>
+            <a:picLocks noChangeAspect="1"/>
+          </p:cNvPicPr>
+          <p:nvPr/>
+        </p:nvPicPr>
+        <p:blipFill>
+          <a:blip r:embed="rId3">
+            <a:extLst>
+              <a:ext uri="{28A0092B-C50C-407E-A947-70E740481C1C}">
+                <a14:useLocalDpi xmlns:a14="http://schemas.microsoft.com/office/drawing/2010/main" val="0"/>
+              </a:ext>
+            </a:extLst>
+          </a:blip>
+          <a:stretch>
+            <a:fillRect/>
+          </a:stretch>
+        </p:blipFill>
+        <p:spPr>
+          <a:xfrm>
+            <a:off x="1239416" y="0"/>
+            <a:ext cx="9591869" cy="5275528"/>
+          </a:xfrm>
+          <a:prstGeom prst="rect">
+            <a:avLst/>
+          </a:prstGeom>
+        </p:spPr>
+      </p:pic>
     </p:spTree>
     <p:extLst>
       <p:ext uri="{BB962C8B-B14F-4D97-AF65-F5344CB8AC3E}">
-        <p14:creationId xmlns:p14="http://schemas.microsoft.com/office/powerpoint/2010/main" val="2653203427"/>
+        <p14:creationId xmlns:p14="http://schemas.microsoft.com/office/powerpoint/2010/main" val="3729834628"/>
       </p:ext>
     </p:extLst>
   </p:cSld>
@@ -7935,10 +8422,56 @@
       </p:grpSpPr>
       <p:sp>
         <p:nvSpPr>
+          <p:cNvPr id="20" name="矩形 19">
+            <a:extLst>
+              <a:ext uri="{FF2B5EF4-FFF2-40B4-BE49-F238E27FC236}">
+                <a16:creationId xmlns:a16="http://schemas.microsoft.com/office/drawing/2014/main" id="{1AC46723-FE1C-4379-83E3-46DF7A6A46C5}"/>
+              </a:ext>
+            </a:extLst>
+          </p:cNvPr>
+          <p:cNvSpPr/>
+          <p:nvPr/>
+        </p:nvSpPr>
+        <p:spPr>
+          <a:xfrm>
+            <a:off x="1013633" y="5544536"/>
+            <a:ext cx="10802970" cy="1061536"/>
+          </a:xfrm>
+          <a:prstGeom prst="rect">
+            <a:avLst/>
+          </a:prstGeom>
+        </p:spPr>
+        <p:style>
+          <a:lnRef idx="2">
+            <a:schemeClr val="accent1">
+              <a:shade val="50000"/>
+            </a:schemeClr>
+          </a:lnRef>
+          <a:fillRef idx="1">
+            <a:schemeClr val="accent1"/>
+          </a:fillRef>
+          <a:effectRef idx="0">
+            <a:schemeClr val="accent1"/>
+          </a:effectRef>
+          <a:fontRef idx="minor">
+            <a:schemeClr val="lt1"/>
+          </a:fontRef>
+        </p:style>
+        <p:txBody>
+          <a:bodyPr rtlCol="0" anchor="ctr"/>
+          <a:lstStyle/>
+          <a:p>
+            <a:pPr algn="ctr"/>
+            <a:endParaRPr lang="zh-TW" altLang="en-US"/>
+          </a:p>
+        </p:txBody>
+      </p:sp>
+      <p:sp>
+        <p:nvSpPr>
           <p:cNvPr id="2" name="標題 1">
             <a:extLst>
               <a:ext uri="{FF2B5EF4-FFF2-40B4-BE49-F238E27FC236}">
-                <a16:creationId xmlns:a16="http://schemas.microsoft.com/office/drawing/2014/main" id="{B206AED5-0AE6-463C-98C4-027F288E1B30}"/>
+                <a16:creationId xmlns:a16="http://schemas.microsoft.com/office/drawing/2014/main" id="{79E82A3B-B64A-4B54-8D4F-98B9A7FF3735}"/>
               </a:ext>
             </a:extLst>
           </p:cNvPr>
@@ -7960,10 +8493,10 @@
       </p:sp>
       <p:pic>
         <p:nvPicPr>
-          <p:cNvPr id="5" name="內容版面配置區 4">
-            <a:extLst>
-              <a:ext uri="{FF2B5EF4-FFF2-40B4-BE49-F238E27FC236}">
-                <a16:creationId xmlns:a16="http://schemas.microsoft.com/office/drawing/2014/main" id="{D5F8CAF7-0393-40B7-B2A1-DA9028B4FD02}"/>
+          <p:cNvPr id="16" name="內容版面配置區 15">
+            <a:extLst>
+              <a:ext uri="{FF2B5EF4-FFF2-40B4-BE49-F238E27FC236}">
+                <a16:creationId xmlns:a16="http://schemas.microsoft.com/office/drawing/2014/main" id="{F7DBB55C-771E-45E9-9B8C-A63AA29988D6}"/>
               </a:ext>
             </a:extLst>
           </p:cNvPr>
@@ -7974,8 +8507,40 @@
             <p:ph idx="1"/>
           </p:nvPr>
         </p:nvPicPr>
+        <p:blipFill rotWithShape="1">
+          <a:blip r:embed="rId2">
+            <a:extLst>
+              <a:ext uri="{28A0092B-C50C-407E-A947-70E740481C1C}">
+                <a14:useLocalDpi xmlns:a14="http://schemas.microsoft.com/office/drawing/2010/main" val="0"/>
+              </a:ext>
+            </a:extLst>
+          </a:blip>
+          <a:srcRect l="801" b="30621"/>
+          <a:stretch/>
+        </p:blipFill>
+        <p:spPr>
+          <a:xfrm>
+            <a:off x="1041626" y="5591191"/>
+            <a:ext cx="10802970" cy="901684"/>
+          </a:xfrm>
+        </p:spPr>
+      </p:pic>
+      <p:pic>
+        <p:nvPicPr>
+          <p:cNvPr id="18" name="圖片 17">
+            <a:extLst>
+              <a:ext uri="{FF2B5EF4-FFF2-40B4-BE49-F238E27FC236}">
+                <a16:creationId xmlns:a16="http://schemas.microsoft.com/office/drawing/2014/main" id="{5FF42C0C-9E8F-42E5-9A25-76E018FD7E0D}"/>
+              </a:ext>
+            </a:extLst>
+          </p:cNvPr>
+          <p:cNvPicPr>
+            <a:picLocks noChangeAspect="1"/>
+          </p:cNvPicPr>
+          <p:nvPr/>
+        </p:nvPicPr>
         <p:blipFill>
-          <a:blip r:embed="rId2">
+          <a:blip r:embed="rId3">
             <a:extLst>
               <a:ext uri="{28A0092B-C50C-407E-A947-70E740481C1C}">
                 <a14:useLocalDpi xmlns:a14="http://schemas.microsoft.com/office/drawing/2010/main" val="0"/>
@@ -7988,15 +8553,18 @@
         </p:blipFill>
         <p:spPr>
           <a:xfrm>
-            <a:off x="300732" y="1270810"/>
-            <a:ext cx="11744558" cy="3972994"/>
+            <a:off x="1041626" y="0"/>
+            <a:ext cx="10033202" cy="5430416"/>
           </a:xfrm>
+          <a:prstGeom prst="rect">
+            <a:avLst/>
+          </a:prstGeom>
         </p:spPr>
       </p:pic>
     </p:spTree>
     <p:extLst>
       <p:ext uri="{BB962C8B-B14F-4D97-AF65-F5344CB8AC3E}">
-        <p14:creationId xmlns:p14="http://schemas.microsoft.com/office/powerpoint/2010/main" val="2125455827"/>
+        <p14:creationId xmlns:p14="http://schemas.microsoft.com/office/powerpoint/2010/main" val="188709568"/>
       </p:ext>
     </p:extLst>
   </p:cSld>
